--- a/Week_5/Joining_merging.pptx
+++ b/Week_5/Joining_merging.pptx
@@ -5,16 +5,25 @@
     <p:sldMasterId id="2147483648" r:id="rId1"/>
   </p:sldMasterIdLst>
   <p:notesMasterIdLst>
-    <p:notesMasterId r:id="rId9"/>
+    <p:notesMasterId r:id="rId18"/>
   </p:notesMasterIdLst>
   <p:sldIdLst>
     <p:sldId id="270" r:id="rId2"/>
     <p:sldId id="269" r:id="rId3"/>
-    <p:sldId id="256" r:id="rId4"/>
-    <p:sldId id="271" r:id="rId5"/>
-    <p:sldId id="272" r:id="rId6"/>
-    <p:sldId id="273" r:id="rId7"/>
-    <p:sldId id="274" r:id="rId8"/>
+    <p:sldId id="278" r:id="rId4"/>
+    <p:sldId id="256" r:id="rId5"/>
+    <p:sldId id="271" r:id="rId6"/>
+    <p:sldId id="272" r:id="rId7"/>
+    <p:sldId id="273" r:id="rId8"/>
+    <p:sldId id="274" r:id="rId9"/>
+    <p:sldId id="275" r:id="rId10"/>
+    <p:sldId id="276" r:id="rId11"/>
+    <p:sldId id="277" r:id="rId12"/>
+    <p:sldId id="280" r:id="rId13"/>
+    <p:sldId id="281" r:id="rId14"/>
+    <p:sldId id="283" r:id="rId15"/>
+    <p:sldId id="282" r:id="rId16"/>
+    <p:sldId id="279" r:id="rId17"/>
   </p:sldIdLst>
   <p:sldSz cx="12192000" cy="6858000"/>
   <p:notesSz cx="6858000" cy="9144000"/>
@@ -113,7 +122,421 @@
       </a:defRPr>
     </a:lvl9pPr>
   </p:defaultTextStyle>
+  <p:extLst>
+    <p:ext uri="{EFAFB233-063F-42B5-8137-9DF3F51BA10A}">
+      <p15:sldGuideLst xmlns:p15="http://schemas.microsoft.com/office/powerpoint/2012/main"/>
+    </p:ext>
+  </p:extLst>
 </p:presentation>
+</file>
+
+<file path=ppt/changesInfos/changesInfo1.xml><?xml version="1.0" encoding="utf-8"?>
+<pc:chgInfo xmlns:a="http://schemas.openxmlformats.org/drawingml/2006/main" xmlns:r="http://schemas.openxmlformats.org/officeDocument/2006/relationships" xmlns:ac="http://schemas.microsoft.com/office/drawing/2013/main/command" xmlns:pc="http://schemas.microsoft.com/office/powerpoint/2013/main/command">
+  <pc:docChgLst>
+    <pc:chgData name="Catherine Kidner" userId="05772faa-c547-42bd-a4f8-01ff9d39ffcc" providerId="ADAL" clId="{3D1DC49F-86D9-504E-8650-F31E3D9D683E}"/>
+    <pc:docChg chg="custSel addSld modSld sldOrd">
+      <pc:chgData name="Catherine Kidner" userId="05772faa-c547-42bd-a4f8-01ff9d39ffcc" providerId="ADAL" clId="{3D1DC49F-86D9-504E-8650-F31E3D9D683E}" dt="2023-06-05T16:28:07.846" v="458" actId="1076"/>
+      <pc:docMkLst>
+        <pc:docMk/>
+      </pc:docMkLst>
+      <pc:sldChg chg="modSp mod ord">
+        <pc:chgData name="Catherine Kidner" userId="05772faa-c547-42bd-a4f8-01ff9d39ffcc" providerId="ADAL" clId="{3D1DC49F-86D9-504E-8650-F31E3D9D683E}" dt="2023-06-05T15:36:19.180" v="379" actId="20578"/>
+        <pc:sldMkLst>
+          <pc:docMk/>
+          <pc:sldMk cId="2987759423" sldId="279"/>
+        </pc:sldMkLst>
+        <pc:spChg chg="mod">
+          <ac:chgData name="Catherine Kidner" userId="05772faa-c547-42bd-a4f8-01ff9d39ffcc" providerId="ADAL" clId="{3D1DC49F-86D9-504E-8650-F31E3D9D683E}" dt="2023-06-02T09:07:49.445" v="114" actId="113"/>
+          <ac:spMkLst>
+            <pc:docMk/>
+            <pc:sldMk cId="2987759423" sldId="279"/>
+            <ac:spMk id="4" creationId="{88E7B1EC-3CB5-6845-1BB7-DE33934078D2}"/>
+          </ac:spMkLst>
+        </pc:spChg>
+      </pc:sldChg>
+      <pc:sldChg chg="addSp modSp mod">
+        <pc:chgData name="Catherine Kidner" userId="05772faa-c547-42bd-a4f8-01ff9d39ffcc" providerId="ADAL" clId="{3D1DC49F-86D9-504E-8650-F31E3D9D683E}" dt="2023-06-05T11:12:22.178" v="268" actId="20577"/>
+        <pc:sldMkLst>
+          <pc:docMk/>
+          <pc:sldMk cId="969045913" sldId="280"/>
+        </pc:sldMkLst>
+        <pc:spChg chg="mod">
+          <ac:chgData name="Catherine Kidner" userId="05772faa-c547-42bd-a4f8-01ff9d39ffcc" providerId="ADAL" clId="{3D1DC49F-86D9-504E-8650-F31E3D9D683E}" dt="2023-06-02T08:43:18.040" v="111" actId="20577"/>
+          <ac:spMkLst>
+            <pc:docMk/>
+            <pc:sldMk cId="969045913" sldId="280"/>
+            <ac:spMk id="4" creationId="{F8F0958A-4A31-8E27-B94E-7FF0946D6359}"/>
+          </ac:spMkLst>
+        </pc:spChg>
+        <pc:spChg chg="add mod">
+          <ac:chgData name="Catherine Kidner" userId="05772faa-c547-42bd-a4f8-01ff9d39ffcc" providerId="ADAL" clId="{3D1DC49F-86D9-504E-8650-F31E3D9D683E}" dt="2023-06-05T11:08:17.945" v="173" actId="1076"/>
+          <ac:spMkLst>
+            <pc:docMk/>
+            <pc:sldMk cId="969045913" sldId="280"/>
+            <ac:spMk id="6" creationId="{FE46485C-C19C-5A8A-1E98-4BFEE8007525}"/>
+          </ac:spMkLst>
+        </pc:spChg>
+        <pc:spChg chg="add mod">
+          <ac:chgData name="Catherine Kidner" userId="05772faa-c547-42bd-a4f8-01ff9d39ffcc" providerId="ADAL" clId="{3D1DC49F-86D9-504E-8650-F31E3D9D683E}" dt="2023-06-05T11:08:40.645" v="195" actId="20577"/>
+          <ac:spMkLst>
+            <pc:docMk/>
+            <pc:sldMk cId="969045913" sldId="280"/>
+            <ac:spMk id="7" creationId="{24C75484-A872-D11B-3251-632095F20EEC}"/>
+          </ac:spMkLst>
+        </pc:spChg>
+        <pc:spChg chg="add mod">
+          <ac:chgData name="Catherine Kidner" userId="05772faa-c547-42bd-a4f8-01ff9d39ffcc" providerId="ADAL" clId="{3D1DC49F-86D9-504E-8650-F31E3D9D683E}" dt="2023-06-05T11:09:11.252" v="200" actId="20577"/>
+          <ac:spMkLst>
+            <pc:docMk/>
+            <pc:sldMk cId="969045913" sldId="280"/>
+            <ac:spMk id="8" creationId="{C58E61B5-5FCD-149C-A0A1-4D6887FB8287}"/>
+          </ac:spMkLst>
+        </pc:spChg>
+        <pc:spChg chg="add mod">
+          <ac:chgData name="Catherine Kidner" userId="05772faa-c547-42bd-a4f8-01ff9d39ffcc" providerId="ADAL" clId="{3D1DC49F-86D9-504E-8650-F31E3D9D683E}" dt="2023-06-05T11:09:37.457" v="225" actId="313"/>
+          <ac:spMkLst>
+            <pc:docMk/>
+            <pc:sldMk cId="969045913" sldId="280"/>
+            <ac:spMk id="9" creationId="{CF680997-A812-C260-AA4B-E2E0F15329E1}"/>
+          </ac:spMkLst>
+        </pc:spChg>
+        <pc:spChg chg="add mod">
+          <ac:chgData name="Catherine Kidner" userId="05772faa-c547-42bd-a4f8-01ff9d39ffcc" providerId="ADAL" clId="{3D1DC49F-86D9-504E-8650-F31E3D9D683E}" dt="2023-06-05T11:09:40.914" v="228" actId="20577"/>
+          <ac:spMkLst>
+            <pc:docMk/>
+            <pc:sldMk cId="969045913" sldId="280"/>
+            <ac:spMk id="10" creationId="{102D41E5-FC44-02AE-5D41-5660B939BA14}"/>
+          </ac:spMkLst>
+        </pc:spChg>
+        <pc:spChg chg="add mod">
+          <ac:chgData name="Catherine Kidner" userId="05772faa-c547-42bd-a4f8-01ff9d39ffcc" providerId="ADAL" clId="{3D1DC49F-86D9-504E-8650-F31E3D9D683E}" dt="2023-06-05T11:09:50.782" v="230" actId="20577"/>
+          <ac:spMkLst>
+            <pc:docMk/>
+            <pc:sldMk cId="969045913" sldId="280"/>
+            <ac:spMk id="11" creationId="{D6B95FCB-28C6-EEB9-6663-9E329CD56BBB}"/>
+          </ac:spMkLst>
+        </pc:spChg>
+        <pc:spChg chg="add mod">
+          <ac:chgData name="Catherine Kidner" userId="05772faa-c547-42bd-a4f8-01ff9d39ffcc" providerId="ADAL" clId="{3D1DC49F-86D9-504E-8650-F31E3D9D683E}" dt="2023-06-05T11:12:10.400" v="262" actId="1076"/>
+          <ac:spMkLst>
+            <pc:docMk/>
+            <pc:sldMk cId="969045913" sldId="280"/>
+            <ac:spMk id="23" creationId="{9B9BE4FA-ED31-5399-4DA2-9D0FE9307B6F}"/>
+          </ac:spMkLst>
+        </pc:spChg>
+        <pc:spChg chg="add mod">
+          <ac:chgData name="Catherine Kidner" userId="05772faa-c547-42bd-a4f8-01ff9d39ffcc" providerId="ADAL" clId="{3D1DC49F-86D9-504E-8650-F31E3D9D683E}" dt="2023-06-05T11:12:17.928" v="267" actId="20577"/>
+          <ac:spMkLst>
+            <pc:docMk/>
+            <pc:sldMk cId="969045913" sldId="280"/>
+            <ac:spMk id="24" creationId="{27233D3E-DDBA-DA6B-842D-110838C6DE91}"/>
+          </ac:spMkLst>
+        </pc:spChg>
+        <pc:spChg chg="add mod">
+          <ac:chgData name="Catherine Kidner" userId="05772faa-c547-42bd-a4f8-01ff9d39ffcc" providerId="ADAL" clId="{3D1DC49F-86D9-504E-8650-F31E3D9D683E}" dt="2023-06-05T11:12:22.178" v="268" actId="20577"/>
+          <ac:spMkLst>
+            <pc:docMk/>
+            <pc:sldMk cId="969045913" sldId="280"/>
+            <ac:spMk id="25" creationId="{F1A709A6-1F38-660A-6D76-C9D74A734D22}"/>
+          </ac:spMkLst>
+        </pc:spChg>
+        <pc:picChg chg="add mod">
+          <ac:chgData name="Catherine Kidner" userId="05772faa-c547-42bd-a4f8-01ff9d39ffcc" providerId="ADAL" clId="{3D1DC49F-86D9-504E-8650-F31E3D9D683E}" dt="2023-06-05T11:06:44.378" v="119" actId="1076"/>
+          <ac:picMkLst>
+            <pc:docMk/>
+            <pc:sldMk cId="969045913" sldId="280"/>
+            <ac:picMk id="5" creationId="{A0380493-70C3-E6C1-5BA6-C7AA9E00BFC5}"/>
+          </ac:picMkLst>
+        </pc:picChg>
+        <pc:cxnChg chg="add mod">
+          <ac:chgData name="Catherine Kidner" userId="05772faa-c547-42bd-a4f8-01ff9d39ffcc" providerId="ADAL" clId="{3D1DC49F-86D9-504E-8650-F31E3D9D683E}" dt="2023-06-05T11:10:16.445" v="233" actId="1582"/>
+          <ac:cxnSpMkLst>
+            <pc:docMk/>
+            <pc:sldMk cId="969045913" sldId="280"/>
+            <ac:cxnSpMk id="13" creationId="{CC51B69C-80C8-B446-12DC-9C31B0AE3FA9}"/>
+          </ac:cxnSpMkLst>
+        </pc:cxnChg>
+        <pc:cxnChg chg="add mod">
+          <ac:chgData name="Catherine Kidner" userId="05772faa-c547-42bd-a4f8-01ff9d39ffcc" providerId="ADAL" clId="{3D1DC49F-86D9-504E-8650-F31E3D9D683E}" dt="2023-06-05T11:10:30.461" v="237" actId="14100"/>
+          <ac:cxnSpMkLst>
+            <pc:docMk/>
+            <pc:sldMk cId="969045913" sldId="280"/>
+            <ac:cxnSpMk id="14" creationId="{18AC32BD-640D-579A-200B-D85D3C9EB9B4}"/>
+          </ac:cxnSpMkLst>
+        </pc:cxnChg>
+        <pc:cxnChg chg="add mod">
+          <ac:chgData name="Catherine Kidner" userId="05772faa-c547-42bd-a4f8-01ff9d39ffcc" providerId="ADAL" clId="{3D1DC49F-86D9-504E-8650-F31E3D9D683E}" dt="2023-06-05T11:11:12.460" v="243" actId="14100"/>
+          <ac:cxnSpMkLst>
+            <pc:docMk/>
+            <pc:sldMk cId="969045913" sldId="280"/>
+            <ac:cxnSpMk id="18" creationId="{1D8F4D6C-C598-2042-238F-40523954ECDD}"/>
+          </ac:cxnSpMkLst>
+        </pc:cxnChg>
+      </pc:sldChg>
+      <pc:sldChg chg="addSp delSp modSp mod ord">
+        <pc:chgData name="Catherine Kidner" userId="05772faa-c547-42bd-a4f8-01ff9d39ffcc" providerId="ADAL" clId="{3D1DC49F-86D9-504E-8650-F31E3D9D683E}" dt="2023-06-05T15:36:06.299" v="378" actId="207"/>
+        <pc:sldMkLst>
+          <pc:docMk/>
+          <pc:sldMk cId="2691048238" sldId="281"/>
+        </pc:sldMkLst>
+        <pc:spChg chg="mod">
+          <ac:chgData name="Catherine Kidner" userId="05772faa-c547-42bd-a4f8-01ff9d39ffcc" providerId="ADAL" clId="{3D1DC49F-86D9-504E-8650-F31E3D9D683E}" dt="2023-06-05T14:45:06.585" v="270" actId="1076"/>
+          <ac:spMkLst>
+            <pc:docMk/>
+            <pc:sldMk cId="2691048238" sldId="281"/>
+            <ac:spMk id="4" creationId="{B7222FB0-5B01-6328-25D0-B7C005B2CFD5}"/>
+          </ac:spMkLst>
+        </pc:spChg>
+        <pc:spChg chg="add mod">
+          <ac:chgData name="Catherine Kidner" userId="05772faa-c547-42bd-a4f8-01ff9d39ffcc" providerId="ADAL" clId="{3D1DC49F-86D9-504E-8650-F31E3D9D683E}" dt="2023-06-05T15:34:31.666" v="326" actId="20577"/>
+          <ac:spMkLst>
+            <pc:docMk/>
+            <pc:sldMk cId="2691048238" sldId="281"/>
+            <ac:spMk id="23" creationId="{1A8E6838-8066-FF21-1ED2-AC5F45B27CBB}"/>
+          </ac:spMkLst>
+        </pc:spChg>
+        <pc:spChg chg="add mod">
+          <ac:chgData name="Catherine Kidner" userId="05772faa-c547-42bd-a4f8-01ff9d39ffcc" providerId="ADAL" clId="{3D1DC49F-86D9-504E-8650-F31E3D9D683E}" dt="2023-06-05T15:34:46.708" v="352" actId="1076"/>
+          <ac:spMkLst>
+            <pc:docMk/>
+            <pc:sldMk cId="2691048238" sldId="281"/>
+            <ac:spMk id="24" creationId="{80C56E2B-CC15-B426-520A-EE8FB12C7EBD}"/>
+          </ac:spMkLst>
+        </pc:spChg>
+        <pc:spChg chg="add mod">
+          <ac:chgData name="Catherine Kidner" userId="05772faa-c547-42bd-a4f8-01ff9d39ffcc" providerId="ADAL" clId="{3D1DC49F-86D9-504E-8650-F31E3D9D683E}" dt="2023-06-05T15:34:59.298" v="367" actId="1076"/>
+          <ac:spMkLst>
+            <pc:docMk/>
+            <pc:sldMk cId="2691048238" sldId="281"/>
+            <ac:spMk id="25" creationId="{3297B82D-8671-B152-B50B-FB0DEFE738D0}"/>
+          </ac:spMkLst>
+        </pc:spChg>
+        <pc:spChg chg="add mod">
+          <ac:chgData name="Catherine Kidner" userId="05772faa-c547-42bd-a4f8-01ff9d39ffcc" providerId="ADAL" clId="{3D1DC49F-86D9-504E-8650-F31E3D9D683E}" dt="2023-06-05T15:36:06.299" v="378" actId="207"/>
+          <ac:spMkLst>
+            <pc:docMk/>
+            <pc:sldMk cId="2691048238" sldId="281"/>
+            <ac:spMk id="27" creationId="{2BC3E1F1-BBEB-EE2B-6179-99D8D55A1AA7}"/>
+          </ac:spMkLst>
+        </pc:spChg>
+        <pc:picChg chg="add mod">
+          <ac:chgData name="Catherine Kidner" userId="05772faa-c547-42bd-a4f8-01ff9d39ffcc" providerId="ADAL" clId="{3D1DC49F-86D9-504E-8650-F31E3D9D683E}" dt="2023-06-05T15:32:50.027" v="287" actId="1076"/>
+          <ac:picMkLst>
+            <pc:docMk/>
+            <pc:sldMk cId="2691048238" sldId="281"/>
+            <ac:picMk id="3" creationId="{8FCB26B4-C8B2-472B-15E9-F3DC0E6049F0}"/>
+          </ac:picMkLst>
+        </pc:picChg>
+        <pc:picChg chg="add mod">
+          <ac:chgData name="Catherine Kidner" userId="05772faa-c547-42bd-a4f8-01ff9d39ffcc" providerId="ADAL" clId="{3D1DC49F-86D9-504E-8650-F31E3D9D683E}" dt="2023-06-05T15:32:56.061" v="289" actId="1076"/>
+          <ac:picMkLst>
+            <pc:docMk/>
+            <pc:sldMk cId="2691048238" sldId="281"/>
+            <ac:picMk id="6" creationId="{7E451349-F5CA-F34B-1D21-845EF2EC8BB9}"/>
+          </ac:picMkLst>
+        </pc:picChg>
+        <pc:picChg chg="add del mod">
+          <ac:chgData name="Catherine Kidner" userId="05772faa-c547-42bd-a4f8-01ff9d39ffcc" providerId="ADAL" clId="{3D1DC49F-86D9-504E-8650-F31E3D9D683E}" dt="2023-06-05T15:32:38.247" v="282" actId="478"/>
+          <ac:picMkLst>
+            <pc:docMk/>
+            <pc:sldMk cId="2691048238" sldId="281"/>
+            <ac:picMk id="8" creationId="{12A0C30E-0396-B63D-B6E5-1BDC0F51B498}"/>
+          </ac:picMkLst>
+        </pc:picChg>
+        <pc:picChg chg="add del mod">
+          <ac:chgData name="Catherine Kidner" userId="05772faa-c547-42bd-a4f8-01ff9d39ffcc" providerId="ADAL" clId="{3D1DC49F-86D9-504E-8650-F31E3D9D683E}" dt="2023-06-05T15:32:36.501" v="280" actId="478"/>
+          <ac:picMkLst>
+            <pc:docMk/>
+            <pc:sldMk cId="2691048238" sldId="281"/>
+            <ac:picMk id="10" creationId="{576AFC92-3799-FAAF-B1E9-B44345E97EB1}"/>
+          </ac:picMkLst>
+        </pc:picChg>
+        <pc:picChg chg="add del mod">
+          <ac:chgData name="Catherine Kidner" userId="05772faa-c547-42bd-a4f8-01ff9d39ffcc" providerId="ADAL" clId="{3D1DC49F-86D9-504E-8650-F31E3D9D683E}" dt="2023-06-05T15:33:46.146" v="292" actId="478"/>
+          <ac:picMkLst>
+            <pc:docMk/>
+            <pc:sldMk cId="2691048238" sldId="281"/>
+            <ac:picMk id="12" creationId="{7289CBD2-2F6D-0EF4-5BD8-03471AB9DDE2}"/>
+          </ac:picMkLst>
+        </pc:picChg>
+        <pc:picChg chg="add del mod">
+          <ac:chgData name="Catherine Kidner" userId="05772faa-c547-42bd-a4f8-01ff9d39ffcc" providerId="ADAL" clId="{3D1DC49F-86D9-504E-8650-F31E3D9D683E}" dt="2023-06-05T15:32:31.428" v="277" actId="478"/>
+          <ac:picMkLst>
+            <pc:docMk/>
+            <pc:sldMk cId="2691048238" sldId="281"/>
+            <ac:picMk id="14" creationId="{A51C4971-BA7E-73E6-A1B6-67566B2982E7}"/>
+          </ac:picMkLst>
+        </pc:picChg>
+        <pc:picChg chg="add del mod">
+          <ac:chgData name="Catherine Kidner" userId="05772faa-c547-42bd-a4f8-01ff9d39ffcc" providerId="ADAL" clId="{3D1DC49F-86D9-504E-8650-F31E3D9D683E}" dt="2023-06-05T15:32:29.311" v="275" actId="478"/>
+          <ac:picMkLst>
+            <pc:docMk/>
+            <pc:sldMk cId="2691048238" sldId="281"/>
+            <ac:picMk id="16" creationId="{FF4C6A64-8C00-29B7-4B91-2AC91E149B9A}"/>
+          </ac:picMkLst>
+        </pc:picChg>
+        <pc:picChg chg="add del mod">
+          <ac:chgData name="Catherine Kidner" userId="05772faa-c547-42bd-a4f8-01ff9d39ffcc" providerId="ADAL" clId="{3D1DC49F-86D9-504E-8650-F31E3D9D683E}" dt="2023-06-05T15:32:34.979" v="279" actId="478"/>
+          <ac:picMkLst>
+            <pc:docMk/>
+            <pc:sldMk cId="2691048238" sldId="281"/>
+            <ac:picMk id="18" creationId="{62E197C0-26BB-8516-158E-B5DB5A134825}"/>
+          </ac:picMkLst>
+        </pc:picChg>
+        <pc:picChg chg="add del mod">
+          <ac:chgData name="Catherine Kidner" userId="05772faa-c547-42bd-a4f8-01ff9d39ffcc" providerId="ADAL" clId="{3D1DC49F-86D9-504E-8650-F31E3D9D683E}" dt="2023-06-05T15:32:26.595" v="273" actId="478"/>
+          <ac:picMkLst>
+            <pc:docMk/>
+            <pc:sldMk cId="2691048238" sldId="281"/>
+            <ac:picMk id="20" creationId="{A559D935-29FF-95C1-A48F-EE09CBA2424F}"/>
+          </ac:picMkLst>
+        </pc:picChg>
+        <pc:picChg chg="add mod">
+          <ac:chgData name="Catherine Kidner" userId="05772faa-c547-42bd-a4f8-01ff9d39ffcc" providerId="ADAL" clId="{3D1DC49F-86D9-504E-8650-F31E3D9D683E}" dt="2023-06-05T15:34:01.791" v="294" actId="1076"/>
+          <ac:picMkLst>
+            <pc:docMk/>
+            <pc:sldMk cId="2691048238" sldId="281"/>
+            <ac:picMk id="22" creationId="{9C8F6566-9DC2-E799-2B2F-A7C34857554F}"/>
+          </ac:picMkLst>
+        </pc:picChg>
+      </pc:sldChg>
+      <pc:sldChg chg="addSp delSp modSp new mod ord">
+        <pc:chgData name="Catherine Kidner" userId="05772faa-c547-42bd-a4f8-01ff9d39ffcc" providerId="ADAL" clId="{3D1DC49F-86D9-504E-8650-F31E3D9D683E}" dt="2023-06-05T16:27:46.502" v="454" actId="207"/>
+        <pc:sldMkLst>
+          <pc:docMk/>
+          <pc:sldMk cId="4284192812" sldId="282"/>
+        </pc:sldMkLst>
+        <pc:spChg chg="del">
+          <ac:chgData name="Catherine Kidner" userId="05772faa-c547-42bd-a4f8-01ff9d39ffcc" providerId="ADAL" clId="{3D1DC49F-86D9-504E-8650-F31E3D9D683E}" dt="2023-06-01T13:05:11.334" v="2" actId="478"/>
+          <ac:spMkLst>
+            <pc:docMk/>
+            <pc:sldMk cId="4284192812" sldId="282"/>
+            <ac:spMk id="2" creationId="{B5761CE5-EBBB-0A63-7EFA-DD0F0F506680}"/>
+          </ac:spMkLst>
+        </pc:spChg>
+        <pc:spChg chg="del">
+          <ac:chgData name="Catherine Kidner" userId="05772faa-c547-42bd-a4f8-01ff9d39ffcc" providerId="ADAL" clId="{3D1DC49F-86D9-504E-8650-F31E3D9D683E}" dt="2023-06-01T13:05:09.541" v="1" actId="478"/>
+          <ac:spMkLst>
+            <pc:docMk/>
+            <pc:sldMk cId="4284192812" sldId="282"/>
+            <ac:spMk id="3" creationId="{B231A407-FCA2-FA81-1DFC-B9E72EEA2C2F}"/>
+          </ac:spMkLst>
+        </pc:spChg>
+        <pc:spChg chg="add mod">
+          <ac:chgData name="Catherine Kidner" userId="05772faa-c547-42bd-a4f8-01ff9d39ffcc" providerId="ADAL" clId="{3D1DC49F-86D9-504E-8650-F31E3D9D683E}" dt="2023-06-02T09:08:02.462" v="116" actId="113"/>
+          <ac:spMkLst>
+            <pc:docMk/>
+            <pc:sldMk cId="4284192812" sldId="282"/>
+            <ac:spMk id="4" creationId="{6E7E1838-EAD9-0B27-F828-BCFC45D5AC8A}"/>
+          </ac:spMkLst>
+        </pc:spChg>
+        <pc:spChg chg="add mod">
+          <ac:chgData name="Catherine Kidner" userId="05772faa-c547-42bd-a4f8-01ff9d39ffcc" providerId="ADAL" clId="{3D1DC49F-86D9-504E-8650-F31E3D9D683E}" dt="2023-06-05T16:27:46.502" v="454" actId="207"/>
+          <ac:spMkLst>
+            <pc:docMk/>
+            <pc:sldMk cId="4284192812" sldId="282"/>
+            <ac:spMk id="8" creationId="{8B4F786A-CD46-0BD1-3505-768B63ECABCB}"/>
+          </ac:spMkLst>
+        </pc:spChg>
+        <pc:picChg chg="add mod">
+          <ac:chgData name="Catherine Kidner" userId="05772faa-c547-42bd-a4f8-01ff9d39ffcc" providerId="ADAL" clId="{3D1DC49F-86D9-504E-8650-F31E3D9D683E}" dt="2023-06-05T16:27:25.983" v="450"/>
+          <ac:picMkLst>
+            <pc:docMk/>
+            <pc:sldMk cId="4284192812" sldId="282"/>
+            <ac:picMk id="5" creationId="{D12B67BF-C177-B5FD-A739-C7BB38BD1781}"/>
+          </ac:picMkLst>
+        </pc:picChg>
+        <pc:picChg chg="add mod">
+          <ac:chgData name="Catherine Kidner" userId="05772faa-c547-42bd-a4f8-01ff9d39ffcc" providerId="ADAL" clId="{3D1DC49F-86D9-504E-8650-F31E3D9D683E}" dt="2023-06-05T16:27:25.983" v="450"/>
+          <ac:picMkLst>
+            <pc:docMk/>
+            <pc:sldMk cId="4284192812" sldId="282"/>
+            <ac:picMk id="6" creationId="{70FC6A20-F410-A44A-EE12-6740A1B3F2EB}"/>
+          </ac:picMkLst>
+        </pc:picChg>
+      </pc:sldChg>
+      <pc:sldChg chg="addSp delSp modSp new mod">
+        <pc:chgData name="Catherine Kidner" userId="05772faa-c547-42bd-a4f8-01ff9d39ffcc" providerId="ADAL" clId="{3D1DC49F-86D9-504E-8650-F31E3D9D683E}" dt="2023-06-05T16:28:07.846" v="458" actId="1076"/>
+        <pc:sldMkLst>
+          <pc:docMk/>
+          <pc:sldMk cId="163233218" sldId="283"/>
+        </pc:sldMkLst>
+        <pc:spChg chg="del">
+          <ac:chgData name="Catherine Kidner" userId="05772faa-c547-42bd-a4f8-01ff9d39ffcc" providerId="ADAL" clId="{3D1DC49F-86D9-504E-8650-F31E3D9D683E}" dt="2023-06-02T08:41:56.747" v="50" actId="478"/>
+          <ac:spMkLst>
+            <pc:docMk/>
+            <pc:sldMk cId="163233218" sldId="283"/>
+            <ac:spMk id="2" creationId="{399DBEE0-21CF-C6E0-82BA-5171B9450E7F}"/>
+          </ac:spMkLst>
+        </pc:spChg>
+        <pc:spChg chg="del">
+          <ac:chgData name="Catherine Kidner" userId="05772faa-c547-42bd-a4f8-01ff9d39ffcc" providerId="ADAL" clId="{3D1DC49F-86D9-504E-8650-F31E3D9D683E}" dt="2023-06-02T08:41:58.407" v="51" actId="478"/>
+          <ac:spMkLst>
+            <pc:docMk/>
+            <pc:sldMk cId="163233218" sldId="283"/>
+            <ac:spMk id="3" creationId="{340E31FE-83C6-1770-8638-CC98C62B77C0}"/>
+          </ac:spMkLst>
+        </pc:spChg>
+        <pc:spChg chg="add mod">
+          <ac:chgData name="Catherine Kidner" userId="05772faa-c547-42bd-a4f8-01ff9d39ffcc" providerId="ADAL" clId="{3D1DC49F-86D9-504E-8650-F31E3D9D683E}" dt="2023-06-05T15:40:12.974" v="410" actId="1076"/>
+          <ac:spMkLst>
+            <pc:docMk/>
+            <pc:sldMk cId="163233218" sldId="283"/>
+            <ac:spMk id="4" creationId="{93FBE0E3-561C-836F-5A92-C3643C50E49D}"/>
+          </ac:spMkLst>
+        </pc:spChg>
+        <pc:spChg chg="add mod">
+          <ac:chgData name="Catherine Kidner" userId="05772faa-c547-42bd-a4f8-01ff9d39ffcc" providerId="ADAL" clId="{3D1DC49F-86D9-504E-8650-F31E3D9D683E}" dt="2023-06-05T16:28:07.846" v="458" actId="1076"/>
+          <ac:spMkLst>
+            <pc:docMk/>
+            <pc:sldMk cId="163233218" sldId="283"/>
+            <ac:spMk id="5" creationId="{80CB783C-3B70-ACBA-3376-59705AF917DF}"/>
+          </ac:spMkLst>
+        </pc:spChg>
+        <pc:picChg chg="add del mod">
+          <ac:chgData name="Catherine Kidner" userId="05772faa-c547-42bd-a4f8-01ff9d39ffcc" providerId="ADAL" clId="{3D1DC49F-86D9-504E-8650-F31E3D9D683E}" dt="2023-06-05T15:44:19.492" v="415" actId="478"/>
+          <ac:picMkLst>
+            <pc:docMk/>
+            <pc:sldMk cId="163233218" sldId="283"/>
+            <ac:picMk id="7" creationId="{E6E2947F-8C4E-E256-4365-45DA575E9BFD}"/>
+          </ac:picMkLst>
+        </pc:picChg>
+        <pc:picChg chg="add del mod">
+          <ac:chgData name="Catherine Kidner" userId="05772faa-c547-42bd-a4f8-01ff9d39ffcc" providerId="ADAL" clId="{3D1DC49F-86D9-504E-8650-F31E3D9D683E}" dt="2023-06-05T16:19:20.143" v="434" actId="478"/>
+          <ac:picMkLst>
+            <pc:docMk/>
+            <pc:sldMk cId="163233218" sldId="283"/>
+            <ac:picMk id="8" creationId="{4F6D9D33-5A32-D6A4-EC02-150C64B88FD0}"/>
+          </ac:picMkLst>
+        </pc:picChg>
+        <pc:picChg chg="add del mod">
+          <ac:chgData name="Catherine Kidner" userId="05772faa-c547-42bd-a4f8-01ff9d39ffcc" providerId="ADAL" clId="{3D1DC49F-86D9-504E-8650-F31E3D9D683E}" dt="2023-06-05T16:19:21.528" v="435" actId="478"/>
+          <ac:picMkLst>
+            <pc:docMk/>
+            <pc:sldMk cId="163233218" sldId="283"/>
+            <ac:picMk id="10" creationId="{1D29F7D4-FA88-9BBB-97DC-E4F140FBC74B}"/>
+          </ac:picMkLst>
+        </pc:picChg>
+        <pc:picChg chg="add mod">
+          <ac:chgData name="Catherine Kidner" userId="05772faa-c547-42bd-a4f8-01ff9d39ffcc" providerId="ADAL" clId="{3D1DC49F-86D9-504E-8650-F31E3D9D683E}" dt="2023-06-05T16:28:05.530" v="457" actId="1076"/>
+          <ac:picMkLst>
+            <pc:docMk/>
+            <pc:sldMk cId="163233218" sldId="283"/>
+            <ac:picMk id="12" creationId="{C99E1328-BEA7-141D-C452-D32B7F37FE4D}"/>
+          </ac:picMkLst>
+        </pc:picChg>
+        <pc:picChg chg="add mod">
+          <ac:chgData name="Catherine Kidner" userId="05772faa-c547-42bd-a4f8-01ff9d39ffcc" providerId="ADAL" clId="{3D1DC49F-86D9-504E-8650-F31E3D9D683E}" dt="2023-06-05T16:28:04.396" v="456" actId="1076"/>
+          <ac:picMkLst>
+            <pc:docMk/>
+            <pc:sldMk cId="163233218" sldId="283"/>
+            <ac:picMk id="14" creationId="{15D7A3A3-8739-50B5-DF39-1471E3315E6F}"/>
+          </ac:picMkLst>
+        </pc:picChg>
+      </pc:sldChg>
+    </pc:docChg>
+  </pc:docChgLst>
+</pc:chgInfo>
 </file>
 
 <file path=ppt/notesMasters/notesMaster1.xml><?xml version="1.0" encoding="utf-8"?>
@@ -198,7 +621,7 @@
           <a:p>
             <a:fld id="{DEC5626E-3F4A-A54E-A45E-E9216ACD6A45}" type="datetimeFigureOut">
               <a:rPr lang="en-US" smtClean="0"/>
-              <a:t>5/23/23</a:t>
+              <a:t>6/1/23</a:t>
             </a:fld>
             <a:endParaRPr lang="en-US"/>
           </a:p>
@@ -531,7 +954,7 @@
           <a:p>
             <a:fld id="{34BA3893-56A8-6441-9904-1E0BD7948457}" type="slidenum">
               <a:rPr lang="en-US" smtClean="0"/>
-              <a:t>6</a:t>
+              <a:t>7</a:t>
             </a:fld>
             <a:endParaRPr lang="en-US"/>
           </a:p>
@@ -699,7 +1122,7 @@
           <a:p>
             <a:fld id="{42ECB4CD-BAB3-4C40-B755-CD28795DD2A7}" type="datetimeFigureOut">
               <a:rPr lang="en-US" smtClean="0"/>
-              <a:t>5/23/23</a:t>
+              <a:t>6/1/23</a:t>
             </a:fld>
             <a:endParaRPr lang="en-US"/>
           </a:p>
@@ -899,7 +1322,7 @@
           <a:p>
             <a:fld id="{42ECB4CD-BAB3-4C40-B755-CD28795DD2A7}" type="datetimeFigureOut">
               <a:rPr lang="en-US" smtClean="0"/>
-              <a:t>5/23/23</a:t>
+              <a:t>6/1/23</a:t>
             </a:fld>
             <a:endParaRPr lang="en-US"/>
           </a:p>
@@ -1109,7 +1532,7 @@
           <a:p>
             <a:fld id="{42ECB4CD-BAB3-4C40-B755-CD28795DD2A7}" type="datetimeFigureOut">
               <a:rPr lang="en-US" smtClean="0"/>
-              <a:t>5/23/23</a:t>
+              <a:t>6/1/23</a:t>
             </a:fld>
             <a:endParaRPr lang="en-US"/>
           </a:p>
@@ -1309,7 +1732,7 @@
           <a:p>
             <a:fld id="{42ECB4CD-BAB3-4C40-B755-CD28795DD2A7}" type="datetimeFigureOut">
               <a:rPr lang="en-US" smtClean="0"/>
-              <a:t>5/23/23</a:t>
+              <a:t>6/1/23</a:t>
             </a:fld>
             <a:endParaRPr lang="en-US"/>
           </a:p>
@@ -1585,7 +2008,7 @@
           <a:p>
             <a:fld id="{42ECB4CD-BAB3-4C40-B755-CD28795DD2A7}" type="datetimeFigureOut">
               <a:rPr lang="en-US" smtClean="0"/>
-              <a:t>5/23/23</a:t>
+              <a:t>6/1/23</a:t>
             </a:fld>
             <a:endParaRPr lang="en-US"/>
           </a:p>
@@ -1853,7 +2276,7 @@
           <a:p>
             <a:fld id="{42ECB4CD-BAB3-4C40-B755-CD28795DD2A7}" type="datetimeFigureOut">
               <a:rPr lang="en-US" smtClean="0"/>
-              <a:t>5/23/23</a:t>
+              <a:t>6/1/23</a:t>
             </a:fld>
             <a:endParaRPr lang="en-US"/>
           </a:p>
@@ -2268,7 +2691,7 @@
           <a:p>
             <a:fld id="{42ECB4CD-BAB3-4C40-B755-CD28795DD2A7}" type="datetimeFigureOut">
               <a:rPr lang="en-US" smtClean="0"/>
-              <a:t>5/23/23</a:t>
+              <a:t>6/1/23</a:t>
             </a:fld>
             <a:endParaRPr lang="en-US"/>
           </a:p>
@@ -2410,7 +2833,7 @@
           <a:p>
             <a:fld id="{42ECB4CD-BAB3-4C40-B755-CD28795DD2A7}" type="datetimeFigureOut">
               <a:rPr lang="en-US" smtClean="0"/>
-              <a:t>5/23/23</a:t>
+              <a:t>6/1/23</a:t>
             </a:fld>
             <a:endParaRPr lang="en-US"/>
           </a:p>
@@ -2523,7 +2946,7 @@
           <a:p>
             <a:fld id="{42ECB4CD-BAB3-4C40-B755-CD28795DD2A7}" type="datetimeFigureOut">
               <a:rPr lang="en-US" smtClean="0"/>
-              <a:t>5/23/23</a:t>
+              <a:t>6/1/23</a:t>
             </a:fld>
             <a:endParaRPr lang="en-US"/>
           </a:p>
@@ -2836,7 +3259,7 @@
           <a:p>
             <a:fld id="{42ECB4CD-BAB3-4C40-B755-CD28795DD2A7}" type="datetimeFigureOut">
               <a:rPr lang="en-US" smtClean="0"/>
-              <a:t>5/23/23</a:t>
+              <a:t>6/1/23</a:t>
             </a:fld>
             <a:endParaRPr lang="en-US"/>
           </a:p>
@@ -3125,7 +3548,7 @@
           <a:p>
             <a:fld id="{42ECB4CD-BAB3-4C40-B755-CD28795DD2A7}" type="datetimeFigureOut">
               <a:rPr lang="en-US" smtClean="0"/>
-              <a:t>5/23/23</a:t>
+              <a:t>6/1/23</a:t>
             </a:fld>
             <a:endParaRPr lang="en-US"/>
           </a:p>
@@ -3368,7 +3791,7 @@
           <a:p>
             <a:fld id="{42ECB4CD-BAB3-4C40-B755-CD28795DD2A7}" type="datetimeFigureOut">
               <a:rPr lang="en-US" smtClean="0"/>
-              <a:t>5/23/23</a:t>
+              <a:t>6/1/23</a:t>
             </a:fld>
             <a:endParaRPr lang="en-US"/>
           </a:p>
@@ -3787,10 +4210,747 @@
       </p:grpSpPr>
       <p:sp>
         <p:nvSpPr>
+          <p:cNvPr id="4" name="TextBox 3">
+            <a:extLst>
+              <a:ext uri="{FF2B5EF4-FFF2-40B4-BE49-F238E27FC236}">
+                <a16:creationId xmlns:a16="http://schemas.microsoft.com/office/drawing/2014/main" id="{997BAD19-6556-4657-6F92-9127451484E7}"/>
+              </a:ext>
+            </a:extLst>
+          </p:cNvPr>
+          <p:cNvSpPr txBox="1"/>
+          <p:nvPr/>
+        </p:nvSpPr>
+        <p:spPr>
+          <a:xfrm>
+            <a:off x="1229360" y="1402080"/>
+            <a:ext cx="4293419" cy="523220"/>
+          </a:xfrm>
+          <a:prstGeom prst="rect">
+            <a:avLst/>
+          </a:prstGeom>
+          <a:noFill/>
+        </p:spPr>
+        <p:txBody>
+          <a:bodyPr wrap="none" rtlCol="0">
+            <a:spAutoFit/>
+          </a:bodyPr>
+          <a:lstStyle/>
+          <a:p>
+            <a:r>
+              <a:rPr lang="en-US" sz="2800" dirty="0"/>
+              <a:t>Joining </a:t>
+            </a:r>
+            <a:r>
+              <a:rPr lang="en-US" sz="2800" dirty="0" err="1"/>
+              <a:t>dataframes</a:t>
+            </a:r>
+            <a:r>
+              <a:rPr lang="en-US" sz="2800" dirty="0"/>
+              <a:t> </a:t>
+            </a:r>
+            <a:r>
+              <a:rPr lang="en-US" sz="2800" b="1" dirty="0"/>
+              <a:t>together</a:t>
+            </a:r>
+          </a:p>
+        </p:txBody>
+      </p:sp>
+      <p:sp>
+        <p:nvSpPr>
+          <p:cNvPr id="5" name="TextBox 4">
+            <a:extLst>
+              <a:ext uri="{FF2B5EF4-FFF2-40B4-BE49-F238E27FC236}">
+                <a16:creationId xmlns:a16="http://schemas.microsoft.com/office/drawing/2014/main" id="{56BC7245-387A-CD50-657C-EF1EFF35313D}"/>
+              </a:ext>
+            </a:extLst>
+          </p:cNvPr>
+          <p:cNvSpPr txBox="1"/>
+          <p:nvPr/>
+        </p:nvSpPr>
+        <p:spPr>
+          <a:xfrm>
+            <a:off x="3200400" y="2661920"/>
+            <a:ext cx="875368" cy="1015663"/>
+          </a:xfrm>
+          <a:prstGeom prst="rect">
+            <a:avLst/>
+          </a:prstGeom>
+          <a:noFill/>
+        </p:spPr>
+        <p:txBody>
+          <a:bodyPr wrap="none" rtlCol="0">
+            <a:spAutoFit/>
+          </a:bodyPr>
+          <a:lstStyle/>
+          <a:p>
+            <a:r>
+              <a:rPr lang="en-US" sz="2000" dirty="0" err="1">
+                <a:solidFill>
+                  <a:srgbClr val="FF0000"/>
+                </a:solidFill>
+              </a:rPr>
+              <a:t>concat</a:t>
+            </a:r>
+            <a:endParaRPr lang="en-US" sz="2000" dirty="0">
+              <a:solidFill>
+                <a:srgbClr val="FF0000"/>
+              </a:solidFill>
+            </a:endParaRPr>
+          </a:p>
+          <a:p>
+            <a:r>
+              <a:rPr lang="en-US" sz="2000" dirty="0">
+                <a:solidFill>
+                  <a:srgbClr val="FF0000"/>
+                </a:solidFill>
+              </a:rPr>
+              <a:t>merge</a:t>
+            </a:r>
+          </a:p>
+          <a:p>
+            <a:r>
+              <a:rPr lang="en-US" sz="2000" dirty="0">
+                <a:solidFill>
+                  <a:srgbClr val="FF0000"/>
+                </a:solidFill>
+              </a:rPr>
+              <a:t>join</a:t>
+            </a:r>
+          </a:p>
+        </p:txBody>
+      </p:sp>
+      <p:pic>
+        <p:nvPicPr>
+          <p:cNvPr id="8196" name="Picture 4" descr="How to Merge into Traffic -">
+            <a:extLst>
+              <a:ext uri="{FF2B5EF4-FFF2-40B4-BE49-F238E27FC236}">
+                <a16:creationId xmlns:a16="http://schemas.microsoft.com/office/drawing/2014/main" id="{DDE1D454-360B-A37C-CAFB-F0D1BAB9C4E7}"/>
+              </a:ext>
+            </a:extLst>
+          </p:cNvPr>
+          <p:cNvPicPr>
+            <a:picLocks noChangeAspect="1" noChangeArrowheads="1"/>
+          </p:cNvPicPr>
+          <p:nvPr/>
+        </p:nvPicPr>
+        <p:blipFill>
+          <a:blip r:embed="rId2">
+            <a:extLst>
+              <a:ext uri="{28A0092B-C50C-407E-A947-70E740481C1C}">
+                <a14:useLocalDpi xmlns:a14="http://schemas.microsoft.com/office/drawing/2010/main" val="0"/>
+              </a:ext>
+            </a:extLst>
+          </a:blip>
+          <a:srcRect/>
+          <a:stretch>
+            <a:fillRect/>
+          </a:stretch>
+        </p:blipFill>
+        <p:spPr bwMode="auto">
+          <a:xfrm>
+            <a:off x="9548813" y="0"/>
+            <a:ext cx="2643187" cy="6858000"/>
+          </a:xfrm>
+          <a:prstGeom prst="rect">
+            <a:avLst/>
+          </a:prstGeom>
+          <a:noFill/>
+          <a:extLst>
+            <a:ext uri="{909E8E84-426E-40DD-AFC4-6F175D3DCCD1}">
+              <a14:hiddenFill xmlns:a14="http://schemas.microsoft.com/office/drawing/2010/main">
+                <a:solidFill>
+                  <a:srgbClr val="FFFFFF"/>
+                </a:solidFill>
+              </a14:hiddenFill>
+            </a:ext>
+          </a:extLst>
+        </p:spPr>
+      </p:pic>
+    </p:spTree>
+    <p:extLst>
+      <p:ext uri="{BB962C8B-B14F-4D97-AF65-F5344CB8AC3E}">
+        <p14:creationId xmlns:p14="http://schemas.microsoft.com/office/powerpoint/2010/main" val="1784840646"/>
+      </p:ext>
+    </p:extLst>
+  </p:cSld>
+  <p:clrMapOvr>
+    <a:masterClrMapping/>
+  </p:clrMapOvr>
+</p:sld>
+</file>
+
+<file path=ppt/slides/slide10.xml><?xml version="1.0" encoding="utf-8"?>
+<p:sld xmlns:a="http://schemas.openxmlformats.org/drawingml/2006/main" xmlns:r="http://schemas.openxmlformats.org/officeDocument/2006/relationships" xmlns:p="http://schemas.openxmlformats.org/presentationml/2006/main">
+  <p:cSld>
+    <p:spTree>
+      <p:nvGrpSpPr>
+        <p:cNvPr id="1" name=""/>
+        <p:cNvGrpSpPr/>
+        <p:nvPr/>
+      </p:nvGrpSpPr>
+      <p:grpSpPr>
+        <a:xfrm>
+          <a:off x="0" y="0"/>
+          <a:ext cx="0" cy="0"/>
+          <a:chOff x="0" y="0"/>
+          <a:chExt cx="0" cy="0"/>
+        </a:xfrm>
+      </p:grpSpPr>
+      <p:sp>
+        <p:nvSpPr>
+          <p:cNvPr id="4" name="TextBox 3">
+            <a:extLst>
+              <a:ext uri="{FF2B5EF4-FFF2-40B4-BE49-F238E27FC236}">
+                <a16:creationId xmlns:a16="http://schemas.microsoft.com/office/drawing/2014/main" id="{9157522E-491D-0B70-3F4A-046131F47FC9}"/>
+              </a:ext>
+            </a:extLst>
+          </p:cNvPr>
+          <p:cNvSpPr txBox="1"/>
+          <p:nvPr/>
+        </p:nvSpPr>
+        <p:spPr>
+          <a:xfrm>
+            <a:off x="296278" y="2557769"/>
+            <a:ext cx="4783297" cy="369332"/>
+          </a:xfrm>
+          <a:prstGeom prst="rect">
+            <a:avLst/>
+          </a:prstGeom>
+          <a:noFill/>
+        </p:spPr>
+        <p:txBody>
+          <a:bodyPr wrap="none" rtlCol="0">
+            <a:spAutoFit/>
+          </a:bodyPr>
+          <a:lstStyle/>
+          <a:p>
+            <a:r>
+              <a:rPr lang="en-US" dirty="0"/>
+              <a:t>result = df1.merge(df2, on =‘Type’, how = ‘inner’)</a:t>
+            </a:r>
+          </a:p>
+        </p:txBody>
+      </p:sp>
+      <p:sp>
+        <p:nvSpPr>
+          <p:cNvPr id="5" name="TextBox 4">
+            <a:extLst>
+              <a:ext uri="{FF2B5EF4-FFF2-40B4-BE49-F238E27FC236}">
+                <a16:creationId xmlns:a16="http://schemas.microsoft.com/office/drawing/2014/main" id="{7252717B-2E11-AF4C-39DE-210EADC507FD}"/>
+              </a:ext>
+            </a:extLst>
+          </p:cNvPr>
+          <p:cNvSpPr txBox="1"/>
+          <p:nvPr/>
+        </p:nvSpPr>
+        <p:spPr>
+          <a:xfrm>
+            <a:off x="296278" y="3791962"/>
+            <a:ext cx="4796954" cy="369332"/>
+          </a:xfrm>
+          <a:prstGeom prst="rect">
+            <a:avLst/>
+          </a:prstGeom>
+          <a:noFill/>
+        </p:spPr>
+        <p:txBody>
+          <a:bodyPr wrap="none" rtlCol="0">
+            <a:spAutoFit/>
+          </a:bodyPr>
+          <a:lstStyle/>
+          <a:p>
+            <a:r>
+              <a:rPr lang="en-US" dirty="0"/>
+              <a:t>result = df1.merge(df2, on =‘Type’, how = ‘outer’)</a:t>
+            </a:r>
+          </a:p>
+        </p:txBody>
+      </p:sp>
+      <p:sp>
+        <p:nvSpPr>
+          <p:cNvPr id="6" name="TextBox 5">
+            <a:extLst>
+              <a:ext uri="{FF2B5EF4-FFF2-40B4-BE49-F238E27FC236}">
+                <a16:creationId xmlns:a16="http://schemas.microsoft.com/office/drawing/2014/main" id="{6B2801D0-7F41-A41D-0EE9-7B3E80DD7CF7}"/>
+              </a:ext>
+            </a:extLst>
+          </p:cNvPr>
+          <p:cNvSpPr txBox="1"/>
+          <p:nvPr/>
+        </p:nvSpPr>
+        <p:spPr>
+          <a:xfrm>
+            <a:off x="296278" y="5026155"/>
+            <a:ext cx="4602670" cy="369332"/>
+          </a:xfrm>
+          <a:prstGeom prst="rect">
+            <a:avLst/>
+          </a:prstGeom>
+          <a:noFill/>
+        </p:spPr>
+        <p:txBody>
+          <a:bodyPr wrap="none" rtlCol="0">
+            <a:spAutoFit/>
+          </a:bodyPr>
+          <a:lstStyle/>
+          <a:p>
+            <a:r>
+              <a:rPr lang="en-US" dirty="0"/>
+              <a:t>result = df1.merge(df2, on =‘Type’, how = ‘left’)</a:t>
+            </a:r>
+          </a:p>
+        </p:txBody>
+      </p:sp>
+      <p:sp>
+        <p:nvSpPr>
+          <p:cNvPr id="7" name="TextBox 6">
+            <a:extLst>
+              <a:ext uri="{FF2B5EF4-FFF2-40B4-BE49-F238E27FC236}">
+                <a16:creationId xmlns:a16="http://schemas.microsoft.com/office/drawing/2014/main" id="{2A099AE4-41FE-E1E9-354F-79A0CE8A0E2A}"/>
+              </a:ext>
+            </a:extLst>
+          </p:cNvPr>
+          <p:cNvSpPr txBox="1"/>
+          <p:nvPr/>
+        </p:nvSpPr>
+        <p:spPr>
+          <a:xfrm>
+            <a:off x="296278" y="6260347"/>
+            <a:ext cx="4810035" cy="369332"/>
+          </a:xfrm>
+          <a:prstGeom prst="rect">
+            <a:avLst/>
+          </a:prstGeom>
+          <a:noFill/>
+        </p:spPr>
+        <p:txBody>
+          <a:bodyPr wrap="none" rtlCol="0">
+            <a:spAutoFit/>
+          </a:bodyPr>
+          <a:lstStyle/>
+          <a:p>
+            <a:r>
+              <a:rPr lang="en-US" dirty="0"/>
+              <a:t>result = df1.merge(df2, on =‘Type’, how = ‘right’)</a:t>
+            </a:r>
+          </a:p>
+        </p:txBody>
+      </p:sp>
+      <p:sp>
+        <p:nvSpPr>
+          <p:cNvPr id="8" name="TextBox 7">
+            <a:extLst>
+              <a:ext uri="{FF2B5EF4-FFF2-40B4-BE49-F238E27FC236}">
+                <a16:creationId xmlns:a16="http://schemas.microsoft.com/office/drawing/2014/main" id="{6B02DE3E-4FA6-912D-1FFC-D63D0F91331B}"/>
+              </a:ext>
+            </a:extLst>
+          </p:cNvPr>
+          <p:cNvSpPr txBox="1"/>
+          <p:nvPr/>
+        </p:nvSpPr>
+        <p:spPr>
+          <a:xfrm>
+            <a:off x="4366419" y="110865"/>
+            <a:ext cx="2115772" cy="369332"/>
+          </a:xfrm>
+          <a:prstGeom prst="rect">
+            <a:avLst/>
+          </a:prstGeom>
+          <a:noFill/>
+        </p:spPr>
+        <p:txBody>
+          <a:bodyPr wrap="none" rtlCol="0">
+            <a:spAutoFit/>
+          </a:bodyPr>
+          <a:lstStyle/>
+          <a:p>
+            <a:r>
+              <a:rPr lang="en-US" b="1" dirty="0"/>
+              <a:t>Merging </a:t>
+            </a:r>
+            <a:r>
+              <a:rPr lang="en-US" b="1" dirty="0" err="1"/>
+              <a:t>dataframes</a:t>
+            </a:r>
+            <a:endParaRPr lang="en-US" b="1" dirty="0"/>
+          </a:p>
+        </p:txBody>
+      </p:sp>
+      <p:pic>
+        <p:nvPicPr>
+          <p:cNvPr id="13" name="Picture 12">
+            <a:extLst>
+              <a:ext uri="{FF2B5EF4-FFF2-40B4-BE49-F238E27FC236}">
+                <a16:creationId xmlns:a16="http://schemas.microsoft.com/office/drawing/2014/main" id="{D9B6D412-471F-878A-7935-8FCEFA908A94}"/>
+              </a:ext>
+            </a:extLst>
+          </p:cNvPr>
+          <p:cNvPicPr>
+            <a:picLocks noChangeAspect="1"/>
+          </p:cNvPicPr>
+          <p:nvPr/>
+        </p:nvPicPr>
+        <p:blipFill>
+          <a:blip r:embed="rId2"/>
+          <a:stretch>
+            <a:fillRect/>
+          </a:stretch>
+        </p:blipFill>
+        <p:spPr>
+          <a:xfrm>
+            <a:off x="1565383" y="945007"/>
+            <a:ext cx="8619342" cy="1008390"/>
+          </a:xfrm>
+          <a:prstGeom prst="rect">
+            <a:avLst/>
+          </a:prstGeom>
+        </p:spPr>
+      </p:pic>
+      <p:pic>
+        <p:nvPicPr>
+          <p:cNvPr id="17" name="Picture 16">
+            <a:extLst>
+              <a:ext uri="{FF2B5EF4-FFF2-40B4-BE49-F238E27FC236}">
+                <a16:creationId xmlns:a16="http://schemas.microsoft.com/office/drawing/2014/main" id="{B02FE096-A68B-9FA6-61C2-E9CC3E8C3081}"/>
+              </a:ext>
+            </a:extLst>
+          </p:cNvPr>
+          <p:cNvPicPr>
+            <a:picLocks noChangeAspect="1"/>
+          </p:cNvPicPr>
+          <p:nvPr/>
+        </p:nvPicPr>
+        <p:blipFill>
+          <a:blip r:embed="rId3"/>
+          <a:stretch>
+            <a:fillRect/>
+          </a:stretch>
+        </p:blipFill>
+        <p:spPr>
+          <a:xfrm>
+            <a:off x="5576964" y="2319723"/>
+            <a:ext cx="6071201" cy="660811"/>
+          </a:xfrm>
+          <a:prstGeom prst="rect">
+            <a:avLst/>
+          </a:prstGeom>
+        </p:spPr>
+      </p:pic>
+      <p:pic>
+        <p:nvPicPr>
+          <p:cNvPr id="21" name="Picture 20">
+            <a:extLst>
+              <a:ext uri="{FF2B5EF4-FFF2-40B4-BE49-F238E27FC236}">
+                <a16:creationId xmlns:a16="http://schemas.microsoft.com/office/drawing/2014/main" id="{CA20593B-84BB-A93C-4557-ABD4CD78225D}"/>
+              </a:ext>
+            </a:extLst>
+          </p:cNvPr>
+          <p:cNvPicPr>
+            <a:picLocks noChangeAspect="1"/>
+          </p:cNvPicPr>
+          <p:nvPr/>
+        </p:nvPicPr>
+        <p:blipFill>
+          <a:blip r:embed="rId4"/>
+          <a:stretch>
+            <a:fillRect/>
+          </a:stretch>
+        </p:blipFill>
+        <p:spPr>
+          <a:xfrm>
+            <a:off x="5576964" y="5862323"/>
+            <a:ext cx="6116445" cy="852974"/>
+          </a:xfrm>
+          <a:prstGeom prst="rect">
+            <a:avLst/>
+          </a:prstGeom>
+        </p:spPr>
+      </p:pic>
+      <p:pic>
+        <p:nvPicPr>
+          <p:cNvPr id="23" name="Picture 22">
+            <a:extLst>
+              <a:ext uri="{FF2B5EF4-FFF2-40B4-BE49-F238E27FC236}">
+                <a16:creationId xmlns:a16="http://schemas.microsoft.com/office/drawing/2014/main" id="{A0573575-4246-4187-6549-81226934959E}"/>
+              </a:ext>
+            </a:extLst>
+          </p:cNvPr>
+          <p:cNvPicPr>
+            <a:picLocks noChangeAspect="1"/>
+          </p:cNvPicPr>
+          <p:nvPr/>
+        </p:nvPicPr>
+        <p:blipFill>
+          <a:blip r:embed="rId5"/>
+          <a:stretch>
+            <a:fillRect/>
+          </a:stretch>
+        </p:blipFill>
+        <p:spPr>
+          <a:xfrm>
+            <a:off x="5576964" y="3311813"/>
+            <a:ext cx="6071201" cy="1039307"/>
+          </a:xfrm>
+          <a:prstGeom prst="rect">
+            <a:avLst/>
+          </a:prstGeom>
+        </p:spPr>
+      </p:pic>
+      <p:pic>
+        <p:nvPicPr>
+          <p:cNvPr id="27" name="Picture 26">
+            <a:extLst>
+              <a:ext uri="{FF2B5EF4-FFF2-40B4-BE49-F238E27FC236}">
+                <a16:creationId xmlns:a16="http://schemas.microsoft.com/office/drawing/2014/main" id="{AFBCC118-6F10-44F7-00BB-5C36F697E61C}"/>
+              </a:ext>
+            </a:extLst>
+          </p:cNvPr>
+          <p:cNvPicPr>
+            <a:picLocks noChangeAspect="1"/>
+          </p:cNvPicPr>
+          <p:nvPr/>
+        </p:nvPicPr>
+        <p:blipFill>
+          <a:blip r:embed="rId6"/>
+          <a:stretch>
+            <a:fillRect/>
+          </a:stretch>
+        </p:blipFill>
+        <p:spPr>
+          <a:xfrm>
+            <a:off x="5576964" y="4682399"/>
+            <a:ext cx="6116445" cy="848644"/>
+          </a:xfrm>
+          <a:prstGeom prst="rect">
+            <a:avLst/>
+          </a:prstGeom>
+        </p:spPr>
+      </p:pic>
+      <p:sp>
+        <p:nvSpPr>
+          <p:cNvPr id="28" name="TextBox 27">
+            <a:extLst>
+              <a:ext uri="{FF2B5EF4-FFF2-40B4-BE49-F238E27FC236}">
+                <a16:creationId xmlns:a16="http://schemas.microsoft.com/office/drawing/2014/main" id="{B4D45D99-5F9C-AA79-AE5C-2407175CB408}"/>
+              </a:ext>
+            </a:extLst>
+          </p:cNvPr>
+          <p:cNvSpPr txBox="1"/>
+          <p:nvPr/>
+        </p:nvSpPr>
+        <p:spPr>
+          <a:xfrm>
+            <a:off x="1565383" y="575675"/>
+            <a:ext cx="494046" cy="369332"/>
+          </a:xfrm>
+          <a:prstGeom prst="rect">
+            <a:avLst/>
+          </a:prstGeom>
+          <a:noFill/>
+        </p:spPr>
+        <p:txBody>
+          <a:bodyPr wrap="none" rtlCol="0">
+            <a:spAutoFit/>
+          </a:bodyPr>
+          <a:lstStyle/>
+          <a:p>
+            <a:r>
+              <a:rPr lang="en-US" dirty="0"/>
+              <a:t>df1</a:t>
+            </a:r>
+          </a:p>
+        </p:txBody>
+      </p:sp>
+      <p:sp>
+        <p:nvSpPr>
+          <p:cNvPr id="29" name="TextBox 28">
+            <a:extLst>
+              <a:ext uri="{FF2B5EF4-FFF2-40B4-BE49-F238E27FC236}">
+                <a16:creationId xmlns:a16="http://schemas.microsoft.com/office/drawing/2014/main" id="{CC65CF90-CF76-32BE-46CB-B05F654ABE6B}"/>
+              </a:ext>
+            </a:extLst>
+          </p:cNvPr>
+          <p:cNvSpPr txBox="1"/>
+          <p:nvPr/>
+        </p:nvSpPr>
+        <p:spPr>
+          <a:xfrm>
+            <a:off x="6235168" y="569894"/>
+            <a:ext cx="494046" cy="369332"/>
+          </a:xfrm>
+          <a:prstGeom prst="rect">
+            <a:avLst/>
+          </a:prstGeom>
+          <a:noFill/>
+        </p:spPr>
+        <p:txBody>
+          <a:bodyPr wrap="none" rtlCol="0">
+            <a:spAutoFit/>
+          </a:bodyPr>
+          <a:lstStyle/>
+          <a:p>
+            <a:r>
+              <a:rPr lang="en-US" dirty="0"/>
+              <a:t>df2</a:t>
+            </a:r>
+          </a:p>
+        </p:txBody>
+      </p:sp>
+    </p:spTree>
+    <p:extLst>
+      <p:ext uri="{BB962C8B-B14F-4D97-AF65-F5344CB8AC3E}">
+        <p14:creationId xmlns:p14="http://schemas.microsoft.com/office/powerpoint/2010/main" val="2652663673"/>
+      </p:ext>
+    </p:extLst>
+  </p:cSld>
+  <p:clrMapOvr>
+    <a:masterClrMapping/>
+  </p:clrMapOvr>
+</p:sld>
+</file>
+
+<file path=ppt/slides/slide11.xml><?xml version="1.0" encoding="utf-8"?>
+<p:sld xmlns:a="http://schemas.openxmlformats.org/drawingml/2006/main" xmlns:r="http://schemas.openxmlformats.org/officeDocument/2006/relationships" xmlns:p="http://schemas.openxmlformats.org/presentationml/2006/main">
+  <p:cSld>
+    <p:spTree>
+      <p:nvGrpSpPr>
+        <p:cNvPr id="1" name=""/>
+        <p:cNvGrpSpPr/>
+        <p:nvPr/>
+      </p:nvGrpSpPr>
+      <p:grpSpPr>
+        <a:xfrm>
+          <a:off x="0" y="0"/>
+          <a:ext cx="0" cy="0"/>
+          <a:chOff x="0" y="0"/>
+          <a:chExt cx="0" cy="0"/>
+        </a:xfrm>
+      </p:grpSpPr>
+      <p:sp>
+        <p:nvSpPr>
+          <p:cNvPr id="4" name="TextBox 3">
+            <a:extLst>
+              <a:ext uri="{FF2B5EF4-FFF2-40B4-BE49-F238E27FC236}">
+                <a16:creationId xmlns:a16="http://schemas.microsoft.com/office/drawing/2014/main" id="{BBB7F3B7-2423-9719-51E2-EF204297631D}"/>
+              </a:ext>
+            </a:extLst>
+          </p:cNvPr>
+          <p:cNvSpPr txBox="1"/>
+          <p:nvPr/>
+        </p:nvSpPr>
+        <p:spPr>
+          <a:xfrm>
+            <a:off x="487680" y="579121"/>
+            <a:ext cx="2123440" cy="369332"/>
+          </a:xfrm>
+          <a:prstGeom prst="rect">
+            <a:avLst/>
+          </a:prstGeom>
+          <a:noFill/>
+        </p:spPr>
+        <p:txBody>
+          <a:bodyPr wrap="square" rtlCol="0">
+            <a:spAutoFit/>
+          </a:bodyPr>
+          <a:lstStyle/>
+          <a:p>
+            <a:r>
+              <a:rPr lang="en-US" b="1" dirty="0"/>
+              <a:t>Joining </a:t>
+            </a:r>
+            <a:r>
+              <a:rPr lang="en-US" b="1" dirty="0" err="1"/>
+              <a:t>dataframes</a:t>
+            </a:r>
+            <a:endParaRPr lang="en-US" b="1" dirty="0"/>
+          </a:p>
+        </p:txBody>
+      </p:sp>
+      <p:sp>
+        <p:nvSpPr>
+          <p:cNvPr id="5" name="TextBox 4">
+            <a:extLst>
+              <a:ext uri="{FF2B5EF4-FFF2-40B4-BE49-F238E27FC236}">
+                <a16:creationId xmlns:a16="http://schemas.microsoft.com/office/drawing/2014/main" id="{47D59E05-8920-BB88-FE50-21EDE73E6CEB}"/>
+              </a:ext>
+            </a:extLst>
+          </p:cNvPr>
+          <p:cNvSpPr txBox="1"/>
+          <p:nvPr/>
+        </p:nvSpPr>
+        <p:spPr>
+          <a:xfrm>
+            <a:off x="1109362" y="1201626"/>
+            <a:ext cx="6743641" cy="646331"/>
+          </a:xfrm>
+          <a:prstGeom prst="rect">
+            <a:avLst/>
+          </a:prstGeom>
+          <a:noFill/>
+        </p:spPr>
+        <p:txBody>
+          <a:bodyPr wrap="none" rtlCol="0">
+            <a:spAutoFit/>
+          </a:bodyPr>
+          <a:lstStyle/>
+          <a:p>
+            <a:r>
+              <a:rPr lang="en-US" dirty="0" err="1"/>
+              <a:t>df.merge</a:t>
+            </a:r>
+            <a:r>
+              <a:rPr lang="en-US" dirty="0"/>
+              <a:t> joins on common columns  by default and gives an inner join</a:t>
+            </a:r>
+          </a:p>
+          <a:p>
+            <a:r>
+              <a:rPr lang="en-US" dirty="0" err="1"/>
+              <a:t>df.join</a:t>
+            </a:r>
+            <a:r>
+              <a:rPr lang="en-US" dirty="0"/>
+              <a:t> joins on indexes by default and gives an outer join</a:t>
+            </a:r>
+          </a:p>
+        </p:txBody>
+      </p:sp>
+    </p:spTree>
+    <p:extLst>
+      <p:ext uri="{BB962C8B-B14F-4D97-AF65-F5344CB8AC3E}">
+        <p14:creationId xmlns:p14="http://schemas.microsoft.com/office/powerpoint/2010/main" val="207214791"/>
+      </p:ext>
+    </p:extLst>
+  </p:cSld>
+  <p:clrMapOvr>
+    <a:masterClrMapping/>
+  </p:clrMapOvr>
+</p:sld>
+</file>
+
+<file path=ppt/slides/slide12.xml><?xml version="1.0" encoding="utf-8"?>
+<p:sld xmlns:a="http://schemas.openxmlformats.org/drawingml/2006/main" xmlns:r="http://schemas.openxmlformats.org/officeDocument/2006/relationships" xmlns:p="http://schemas.openxmlformats.org/presentationml/2006/main">
+  <p:cSld>
+    <p:spTree>
+      <p:nvGrpSpPr>
+        <p:cNvPr id="1" name=""/>
+        <p:cNvGrpSpPr/>
+        <p:nvPr/>
+      </p:nvGrpSpPr>
+      <p:grpSpPr>
+        <a:xfrm>
+          <a:off x="0" y="0"/>
+          <a:ext cx="0" cy="0"/>
+          <a:chOff x="0" y="0"/>
+          <a:chExt cx="0" cy="0"/>
+        </a:xfrm>
+      </p:grpSpPr>
+      <p:sp>
+        <p:nvSpPr>
           <p:cNvPr id="2" name="Title 1">
             <a:extLst>
               <a:ext uri="{FF2B5EF4-FFF2-40B4-BE49-F238E27FC236}">
-                <a16:creationId xmlns:a16="http://schemas.microsoft.com/office/drawing/2014/main" id="{AE0007E2-6496-B644-E88D-B96794994558}"/>
+                <a16:creationId xmlns:a16="http://schemas.microsoft.com/office/drawing/2014/main" id="{C00127C5-EA89-9157-6F00-E3424B71E093}"/>
               </a:ext>
             </a:extLst>
           </p:cNvPr>
@@ -3806,39 +4966,1503 @@
           <a:bodyPr/>
           <a:lstStyle/>
           <a:p>
-            <a:endParaRPr lang="en-US"/>
+            <a:r>
+              <a:rPr lang="en-US" b="1" dirty="0"/>
+              <a:t>Breaking up </a:t>
+            </a:r>
+            <a:r>
+              <a:rPr lang="en-US" b="1" dirty="0" err="1"/>
+              <a:t>dataframes</a:t>
+            </a:r>
+            <a:endParaRPr lang="en-US" b="1" dirty="0"/>
           </a:p>
         </p:txBody>
       </p:sp>
       <p:sp>
         <p:nvSpPr>
-          <p:cNvPr id="3" name="Content Placeholder 2">
+          <p:cNvPr id="4" name="TextBox 3">
             <a:extLst>
               <a:ext uri="{FF2B5EF4-FFF2-40B4-BE49-F238E27FC236}">
-                <a16:creationId xmlns:a16="http://schemas.microsoft.com/office/drawing/2014/main" id="{FF9B7866-E8A1-C9C0-76EB-006FBB6C73AB}"/>
+                <a16:creationId xmlns:a16="http://schemas.microsoft.com/office/drawing/2014/main" id="{F8F0958A-4A31-8E27-B94E-7FF0946D6359}"/>
               </a:ext>
             </a:extLst>
           </p:cNvPr>
-          <p:cNvSpPr>
-            <a:spLocks noGrp="1"/>
-          </p:cNvSpPr>
-          <p:nvPr>
-            <p:ph idx="1"/>
-          </p:nvPr>
+          <p:cNvSpPr txBox="1"/>
+          <p:nvPr/>
         </p:nvSpPr>
-        <p:spPr/>
+        <p:spPr>
+          <a:xfrm>
+            <a:off x="719731" y="1690688"/>
+            <a:ext cx="4902239" cy="2031325"/>
+          </a:xfrm>
+          <a:prstGeom prst="rect">
+            <a:avLst/>
+          </a:prstGeom>
+          <a:noFill/>
+        </p:spPr>
         <p:txBody>
-          <a:bodyPr/>
+          <a:bodyPr wrap="none" rtlCol="0">
+            <a:spAutoFit/>
+          </a:bodyPr>
           <a:lstStyle/>
           <a:p>
-            <a:endParaRPr lang="en-US"/>
+            <a:r>
+              <a:rPr lang="en-US" dirty="0" err="1"/>
+              <a:t>Dataframes</a:t>
+            </a:r>
+            <a:r>
+              <a:rPr lang="en-US" dirty="0"/>
+              <a:t> have columns and rows,</a:t>
+            </a:r>
+          </a:p>
+          <a:p>
+            <a:r>
+              <a:rPr lang="en-US" dirty="0"/>
+              <a:t>These are labeled with column names and indexes</a:t>
+            </a:r>
+          </a:p>
+          <a:p>
+            <a:endParaRPr lang="en-US" dirty="0"/>
+          </a:p>
+          <a:p>
+            <a:r>
+              <a:rPr lang="en-US" dirty="0"/>
+              <a:t>Can define a position by:</a:t>
+            </a:r>
+          </a:p>
+          <a:p>
+            <a:r>
+              <a:rPr lang="en-US" dirty="0"/>
+              <a:t>Column name and row name:  </a:t>
+            </a:r>
+            <a:r>
+              <a:rPr lang="en-GB" b="0" i="0" dirty="0" err="1">
+                <a:solidFill>
+                  <a:srgbClr val="FF0000"/>
+                </a:solidFill>
+                <a:effectLst/>
+                <a:latin typeface="source-serif-pro"/>
+              </a:rPr>
+              <a:t>df.loc</a:t>
+            </a:r>
+            <a:endParaRPr lang="en-US" dirty="0">
+              <a:solidFill>
+                <a:srgbClr val="FF0000"/>
+              </a:solidFill>
+            </a:endParaRPr>
+          </a:p>
+          <a:p>
+            <a:pPr algn="l"/>
+            <a:r>
+              <a:rPr lang="en-US" dirty="0"/>
+              <a:t>By </a:t>
+            </a:r>
+            <a:r>
+              <a:rPr lang="en-US" dirty="0" err="1"/>
+              <a:t>postion</a:t>
+            </a:r>
+            <a:r>
+              <a:rPr lang="en-US" dirty="0"/>
+              <a:t>: </a:t>
+            </a:r>
+            <a:r>
+              <a:rPr lang="en-GB" b="0" i="0" dirty="0" err="1">
+                <a:solidFill>
+                  <a:srgbClr val="FF0000"/>
+                </a:solidFill>
+                <a:effectLst/>
+                <a:latin typeface="source-serif-pro"/>
+              </a:rPr>
+              <a:t>df.iloc</a:t>
+            </a:r>
+            <a:endParaRPr lang="en-US" dirty="0">
+              <a:solidFill>
+                <a:srgbClr val="FF0000"/>
+              </a:solidFill>
+            </a:endParaRPr>
+          </a:p>
+          <a:p>
+            <a:endParaRPr lang="en-US" dirty="0"/>
+          </a:p>
+        </p:txBody>
+      </p:sp>
+      <p:pic>
+        <p:nvPicPr>
+          <p:cNvPr id="5" name="Picture 4">
+            <a:extLst>
+              <a:ext uri="{FF2B5EF4-FFF2-40B4-BE49-F238E27FC236}">
+                <a16:creationId xmlns:a16="http://schemas.microsoft.com/office/drawing/2014/main" id="{A0380493-70C3-E6C1-5BA6-C7AA9E00BFC5}"/>
+              </a:ext>
+            </a:extLst>
+          </p:cNvPr>
+          <p:cNvPicPr>
+            <a:picLocks noChangeAspect="1"/>
+          </p:cNvPicPr>
+          <p:nvPr/>
+        </p:nvPicPr>
+        <p:blipFill>
+          <a:blip r:embed="rId2"/>
+          <a:stretch>
+            <a:fillRect/>
+          </a:stretch>
+        </p:blipFill>
+        <p:spPr>
+          <a:xfrm>
+            <a:off x="5062498" y="2491986"/>
+            <a:ext cx="6616700" cy="3479800"/>
+          </a:xfrm>
+          <a:prstGeom prst="rect">
+            <a:avLst/>
+          </a:prstGeom>
+        </p:spPr>
+      </p:pic>
+      <p:sp>
+        <p:nvSpPr>
+          <p:cNvPr id="6" name="TextBox 5">
+            <a:extLst>
+              <a:ext uri="{FF2B5EF4-FFF2-40B4-BE49-F238E27FC236}">
+                <a16:creationId xmlns:a16="http://schemas.microsoft.com/office/drawing/2014/main" id="{FE46485C-C19C-5A8A-1E98-4BFEE8007525}"/>
+              </a:ext>
+            </a:extLst>
+          </p:cNvPr>
+          <p:cNvSpPr txBox="1"/>
+          <p:nvPr/>
+        </p:nvSpPr>
+        <p:spPr>
+          <a:xfrm>
+            <a:off x="7828157" y="1027906"/>
+            <a:ext cx="2475549" cy="369332"/>
+          </a:xfrm>
+          <a:prstGeom prst="rect">
+            <a:avLst/>
+          </a:prstGeom>
+          <a:noFill/>
+        </p:spPr>
+        <p:txBody>
+          <a:bodyPr wrap="none" rtlCol="0">
+            <a:spAutoFit/>
+          </a:bodyPr>
+          <a:lstStyle/>
+          <a:p>
+            <a:r>
+              <a:rPr lang="en-US" dirty="0" err="1">
+                <a:solidFill>
+                  <a:srgbClr val="FF0000"/>
+                </a:solidFill>
+              </a:rPr>
+              <a:t>df.loc</a:t>
+            </a:r>
+            <a:r>
+              <a:rPr lang="en-US" dirty="0">
+                <a:solidFill>
+                  <a:srgbClr val="FF0000"/>
+                </a:solidFill>
+              </a:rPr>
+              <a:t>[‘Av sea temp (°C)’]</a:t>
+            </a:r>
+          </a:p>
+        </p:txBody>
+      </p:sp>
+      <p:sp>
+        <p:nvSpPr>
+          <p:cNvPr id="7" name="TextBox 6">
+            <a:extLst>
+              <a:ext uri="{FF2B5EF4-FFF2-40B4-BE49-F238E27FC236}">
+                <a16:creationId xmlns:a16="http://schemas.microsoft.com/office/drawing/2014/main" id="{24C75484-A872-D11B-3251-632095F20EEC}"/>
+              </a:ext>
+            </a:extLst>
+          </p:cNvPr>
+          <p:cNvSpPr txBox="1"/>
+          <p:nvPr/>
+        </p:nvSpPr>
+        <p:spPr>
+          <a:xfrm>
+            <a:off x="7828156" y="1468081"/>
+            <a:ext cx="1002903" cy="369332"/>
+          </a:xfrm>
+          <a:prstGeom prst="rect">
+            <a:avLst/>
+          </a:prstGeom>
+          <a:noFill/>
+        </p:spPr>
+        <p:txBody>
+          <a:bodyPr wrap="none" rtlCol="0">
+            <a:spAutoFit/>
+          </a:bodyPr>
+          <a:lstStyle/>
+          <a:p>
+            <a:r>
+              <a:rPr lang="en-US" dirty="0" err="1">
+                <a:solidFill>
+                  <a:srgbClr val="FF0000"/>
+                </a:solidFill>
+              </a:rPr>
+              <a:t>df.iloc</a:t>
+            </a:r>
+            <a:r>
+              <a:rPr lang="en-US" dirty="0">
+                <a:solidFill>
+                  <a:srgbClr val="FF0000"/>
+                </a:solidFill>
+              </a:rPr>
+              <a:t>[2]</a:t>
+            </a:r>
+          </a:p>
+        </p:txBody>
+      </p:sp>
+      <p:sp>
+        <p:nvSpPr>
+          <p:cNvPr id="8" name="TextBox 7">
+            <a:extLst>
+              <a:ext uri="{FF2B5EF4-FFF2-40B4-BE49-F238E27FC236}">
+                <a16:creationId xmlns:a16="http://schemas.microsoft.com/office/drawing/2014/main" id="{C58E61B5-5FCD-149C-A0A1-4D6887FB8287}"/>
+              </a:ext>
+            </a:extLst>
+          </p:cNvPr>
+          <p:cNvSpPr txBox="1"/>
+          <p:nvPr/>
+        </p:nvSpPr>
+        <p:spPr>
+          <a:xfrm>
+            <a:off x="7869396" y="1906671"/>
+            <a:ext cx="1073435" cy="369332"/>
+          </a:xfrm>
+          <a:prstGeom prst="rect">
+            <a:avLst/>
+          </a:prstGeom>
+          <a:noFill/>
+        </p:spPr>
+        <p:txBody>
+          <a:bodyPr wrap="none" rtlCol="0">
+            <a:spAutoFit/>
+          </a:bodyPr>
+          <a:lstStyle/>
+          <a:p>
+            <a:r>
+              <a:rPr lang="en-US" dirty="0" err="1">
+                <a:solidFill>
+                  <a:srgbClr val="FF0000"/>
+                </a:solidFill>
+              </a:rPr>
+              <a:t>df.iloc</a:t>
+            </a:r>
+            <a:r>
+              <a:rPr lang="en-US" dirty="0">
+                <a:solidFill>
+                  <a:srgbClr val="FF0000"/>
+                </a:solidFill>
+              </a:rPr>
+              <a:t>[-5]</a:t>
+            </a:r>
+          </a:p>
+        </p:txBody>
+      </p:sp>
+      <p:sp>
+        <p:nvSpPr>
+          <p:cNvPr id="9" name="TextBox 8">
+            <a:extLst>
+              <a:ext uri="{FF2B5EF4-FFF2-40B4-BE49-F238E27FC236}">
+                <a16:creationId xmlns:a16="http://schemas.microsoft.com/office/drawing/2014/main" id="{CF680997-A812-C260-AA4B-E2E0F15329E1}"/>
+              </a:ext>
+            </a:extLst>
+          </p:cNvPr>
+          <p:cNvSpPr txBox="1"/>
+          <p:nvPr/>
+        </p:nvSpPr>
+        <p:spPr>
+          <a:xfrm>
+            <a:off x="1653320" y="4038185"/>
+            <a:ext cx="1541512" cy="369332"/>
+          </a:xfrm>
+          <a:prstGeom prst="rect">
+            <a:avLst/>
+          </a:prstGeom>
+          <a:noFill/>
+        </p:spPr>
+        <p:txBody>
+          <a:bodyPr wrap="none" rtlCol="0">
+            <a:spAutoFit/>
+          </a:bodyPr>
+          <a:lstStyle/>
+          <a:p>
+            <a:r>
+              <a:rPr lang="en-US" dirty="0" err="1">
+                <a:solidFill>
+                  <a:srgbClr val="FF0000"/>
+                </a:solidFill>
+              </a:rPr>
+              <a:t>df.loc</a:t>
+            </a:r>
+            <a:r>
+              <a:rPr lang="en-US" dirty="0">
+                <a:solidFill>
+                  <a:srgbClr val="FF0000"/>
+                </a:solidFill>
+              </a:rPr>
+              <a:t>[:, ‘Nuuk’</a:t>
+            </a:r>
+          </a:p>
+        </p:txBody>
+      </p:sp>
+      <p:sp>
+        <p:nvSpPr>
+          <p:cNvPr id="10" name="TextBox 9">
+            <a:extLst>
+              <a:ext uri="{FF2B5EF4-FFF2-40B4-BE49-F238E27FC236}">
+                <a16:creationId xmlns:a16="http://schemas.microsoft.com/office/drawing/2014/main" id="{102D41E5-FC44-02AE-5D41-5660B939BA14}"/>
+              </a:ext>
+            </a:extLst>
+          </p:cNvPr>
+          <p:cNvSpPr txBox="1"/>
+          <p:nvPr/>
+        </p:nvSpPr>
+        <p:spPr>
+          <a:xfrm>
+            <a:off x="1653319" y="4478360"/>
+            <a:ext cx="1176028" cy="369332"/>
+          </a:xfrm>
+          <a:prstGeom prst="rect">
+            <a:avLst/>
+          </a:prstGeom>
+          <a:noFill/>
+        </p:spPr>
+        <p:txBody>
+          <a:bodyPr wrap="none" rtlCol="0">
+            <a:spAutoFit/>
+          </a:bodyPr>
+          <a:lstStyle/>
+          <a:p>
+            <a:r>
+              <a:rPr lang="en-US" dirty="0" err="1">
+                <a:solidFill>
+                  <a:srgbClr val="FF0000"/>
+                </a:solidFill>
+              </a:rPr>
+              <a:t>df.iloc</a:t>
+            </a:r>
+            <a:r>
+              <a:rPr lang="en-US" dirty="0">
+                <a:solidFill>
+                  <a:srgbClr val="FF0000"/>
+                </a:solidFill>
+              </a:rPr>
+              <a:t>[:, 2]</a:t>
+            </a:r>
+          </a:p>
+        </p:txBody>
+      </p:sp>
+      <p:sp>
+        <p:nvSpPr>
+          <p:cNvPr id="11" name="TextBox 10">
+            <a:extLst>
+              <a:ext uri="{FF2B5EF4-FFF2-40B4-BE49-F238E27FC236}">
+                <a16:creationId xmlns:a16="http://schemas.microsoft.com/office/drawing/2014/main" id="{D6B95FCB-28C6-EEB9-6663-9E329CD56BBB}"/>
+              </a:ext>
+            </a:extLst>
+          </p:cNvPr>
+          <p:cNvSpPr txBox="1"/>
+          <p:nvPr/>
+        </p:nvSpPr>
+        <p:spPr>
+          <a:xfrm>
+            <a:off x="1694559" y="4916950"/>
+            <a:ext cx="1188852" cy="369332"/>
+          </a:xfrm>
+          <a:prstGeom prst="rect">
+            <a:avLst/>
+          </a:prstGeom>
+          <a:noFill/>
+        </p:spPr>
+        <p:txBody>
+          <a:bodyPr wrap="none" rtlCol="0">
+            <a:spAutoFit/>
+          </a:bodyPr>
+          <a:lstStyle/>
+          <a:p>
+            <a:r>
+              <a:rPr lang="en-US" dirty="0" err="1">
+                <a:solidFill>
+                  <a:srgbClr val="FF0000"/>
+                </a:solidFill>
+              </a:rPr>
+              <a:t>df.iloc</a:t>
+            </a:r>
+            <a:r>
+              <a:rPr lang="en-US" dirty="0">
+                <a:solidFill>
+                  <a:srgbClr val="FF0000"/>
+                </a:solidFill>
+              </a:rPr>
+              <a:t>[: -5]</a:t>
+            </a:r>
+          </a:p>
+        </p:txBody>
+      </p:sp>
+      <p:cxnSp>
+        <p:nvCxnSpPr>
+          <p:cNvPr id="13" name="Straight Arrow Connector 12">
+            <a:extLst>
+              <a:ext uri="{FF2B5EF4-FFF2-40B4-BE49-F238E27FC236}">
+                <a16:creationId xmlns:a16="http://schemas.microsoft.com/office/drawing/2014/main" id="{CC51B69C-80C8-B446-12DC-9C31B0AE3FA9}"/>
+              </a:ext>
+            </a:extLst>
+          </p:cNvPr>
+          <p:cNvCxnSpPr/>
+          <p:nvPr/>
+        </p:nvCxnSpPr>
+        <p:spPr>
+          <a:xfrm>
+            <a:off x="8162693" y="2276003"/>
+            <a:ext cx="0" cy="400290"/>
+          </a:xfrm>
+          <a:prstGeom prst="straightConnector1">
+            <a:avLst/>
+          </a:prstGeom>
+          <a:ln w="28575">
+            <a:solidFill>
+              <a:srgbClr val="FF0000"/>
+            </a:solidFill>
+            <a:tailEnd type="triangle"/>
+          </a:ln>
+        </p:spPr>
+        <p:style>
+          <a:lnRef idx="1">
+            <a:schemeClr val="accent1"/>
+          </a:lnRef>
+          <a:fillRef idx="0">
+            <a:schemeClr val="accent1"/>
+          </a:fillRef>
+          <a:effectRef idx="0">
+            <a:schemeClr val="accent1"/>
+          </a:effectRef>
+          <a:fontRef idx="minor">
+            <a:schemeClr val="tx1"/>
+          </a:fontRef>
+        </p:style>
+      </p:cxnSp>
+      <p:cxnSp>
+        <p:nvCxnSpPr>
+          <p:cNvPr id="14" name="Straight Arrow Connector 13">
+            <a:extLst>
+              <a:ext uri="{FF2B5EF4-FFF2-40B4-BE49-F238E27FC236}">
+                <a16:creationId xmlns:a16="http://schemas.microsoft.com/office/drawing/2014/main" id="{18AC32BD-640D-579A-200B-D85D3C9EB9B4}"/>
+              </a:ext>
+            </a:extLst>
+          </p:cNvPr>
+          <p:cNvCxnSpPr>
+            <a:cxnSpLocks/>
+          </p:cNvCxnSpPr>
+          <p:nvPr/>
+        </p:nvCxnSpPr>
+        <p:spPr>
+          <a:xfrm>
+            <a:off x="3080935" y="4407517"/>
+            <a:ext cx="2292984" cy="0"/>
+          </a:xfrm>
+          <a:prstGeom prst="straightConnector1">
+            <a:avLst/>
+          </a:prstGeom>
+          <a:ln w="28575">
+            <a:solidFill>
+              <a:srgbClr val="FF0000"/>
+            </a:solidFill>
+            <a:tailEnd type="triangle"/>
+          </a:ln>
+        </p:spPr>
+        <p:style>
+          <a:lnRef idx="1">
+            <a:schemeClr val="accent1"/>
+          </a:lnRef>
+          <a:fillRef idx="0">
+            <a:schemeClr val="accent1"/>
+          </a:fillRef>
+          <a:effectRef idx="0">
+            <a:schemeClr val="accent1"/>
+          </a:effectRef>
+          <a:fontRef idx="minor">
+            <a:schemeClr val="tx1"/>
+          </a:fontRef>
+        </p:style>
+      </p:cxnSp>
+      <p:cxnSp>
+        <p:nvCxnSpPr>
+          <p:cNvPr id="18" name="Straight Arrow Connector 17">
+            <a:extLst>
+              <a:ext uri="{FF2B5EF4-FFF2-40B4-BE49-F238E27FC236}">
+                <a16:creationId xmlns:a16="http://schemas.microsoft.com/office/drawing/2014/main" id="{1D8F4D6C-C598-2042-238F-40523954ECDD}"/>
+              </a:ext>
+            </a:extLst>
+          </p:cNvPr>
+          <p:cNvCxnSpPr>
+            <a:cxnSpLocks/>
+          </p:cNvCxnSpPr>
+          <p:nvPr/>
+        </p:nvCxnSpPr>
+        <p:spPr>
+          <a:xfrm flipV="1">
+            <a:off x="6801534" y="4407517"/>
+            <a:ext cx="602876" cy="1780252"/>
+          </a:xfrm>
+          <a:prstGeom prst="straightConnector1">
+            <a:avLst/>
+          </a:prstGeom>
+          <a:ln w="28575">
+            <a:solidFill>
+              <a:srgbClr val="FF0000"/>
+            </a:solidFill>
+            <a:tailEnd type="triangle"/>
+          </a:ln>
+        </p:spPr>
+        <p:style>
+          <a:lnRef idx="1">
+            <a:schemeClr val="accent1"/>
+          </a:lnRef>
+          <a:fillRef idx="0">
+            <a:schemeClr val="accent1"/>
+          </a:fillRef>
+          <a:effectRef idx="0">
+            <a:schemeClr val="accent1"/>
+          </a:effectRef>
+          <a:fontRef idx="minor">
+            <a:schemeClr val="tx1"/>
+          </a:fontRef>
+        </p:style>
+      </p:cxnSp>
+      <p:sp>
+        <p:nvSpPr>
+          <p:cNvPr id="23" name="TextBox 22">
+            <a:extLst>
+              <a:ext uri="{FF2B5EF4-FFF2-40B4-BE49-F238E27FC236}">
+                <a16:creationId xmlns:a16="http://schemas.microsoft.com/office/drawing/2014/main" id="{9B9BE4FA-ED31-5399-4DA2-9D0FE9307B6F}"/>
+              </a:ext>
+            </a:extLst>
+          </p:cNvPr>
+          <p:cNvSpPr txBox="1"/>
+          <p:nvPr/>
+        </p:nvSpPr>
+        <p:spPr>
+          <a:xfrm>
+            <a:off x="2990342" y="6287958"/>
+            <a:ext cx="3105658" cy="369332"/>
+          </a:xfrm>
+          <a:prstGeom prst="rect">
+            <a:avLst/>
+          </a:prstGeom>
+          <a:noFill/>
+        </p:spPr>
+        <p:txBody>
+          <a:bodyPr wrap="none" rtlCol="0">
+            <a:spAutoFit/>
+          </a:bodyPr>
+          <a:lstStyle/>
+          <a:p>
+            <a:r>
+              <a:rPr lang="en-US" dirty="0" err="1">
+                <a:solidFill>
+                  <a:srgbClr val="FF0000"/>
+                </a:solidFill>
+              </a:rPr>
+              <a:t>df.loc</a:t>
+            </a:r>
+            <a:r>
+              <a:rPr lang="en-US" dirty="0">
+                <a:solidFill>
+                  <a:srgbClr val="FF0000"/>
+                </a:solidFill>
+              </a:rPr>
+              <a:t>[‘Av sea temp (°C)’, ‘Nuuk’</a:t>
+            </a:r>
+          </a:p>
+        </p:txBody>
+      </p:sp>
+      <p:sp>
+        <p:nvSpPr>
+          <p:cNvPr id="24" name="TextBox 23">
+            <a:extLst>
+              <a:ext uri="{FF2B5EF4-FFF2-40B4-BE49-F238E27FC236}">
+                <a16:creationId xmlns:a16="http://schemas.microsoft.com/office/drawing/2014/main" id="{27233D3E-DDBA-DA6B-842D-110838C6DE91}"/>
+              </a:ext>
+            </a:extLst>
+          </p:cNvPr>
+          <p:cNvSpPr txBox="1"/>
+          <p:nvPr/>
+        </p:nvSpPr>
+        <p:spPr>
+          <a:xfrm>
+            <a:off x="6247207" y="6278880"/>
+            <a:ext cx="1230530" cy="369332"/>
+          </a:xfrm>
+          <a:prstGeom prst="rect">
+            <a:avLst/>
+          </a:prstGeom>
+          <a:noFill/>
+        </p:spPr>
+        <p:txBody>
+          <a:bodyPr wrap="none" rtlCol="0">
+            <a:spAutoFit/>
+          </a:bodyPr>
+          <a:lstStyle/>
+          <a:p>
+            <a:r>
+              <a:rPr lang="en-US" dirty="0" err="1">
+                <a:solidFill>
+                  <a:srgbClr val="FF0000"/>
+                </a:solidFill>
+              </a:rPr>
+              <a:t>df.iloc</a:t>
+            </a:r>
+            <a:r>
+              <a:rPr lang="en-US" dirty="0">
+                <a:solidFill>
+                  <a:srgbClr val="FF0000"/>
+                </a:solidFill>
+              </a:rPr>
+              <a:t>[2, 2]</a:t>
+            </a:r>
+          </a:p>
+        </p:txBody>
+      </p:sp>
+      <p:sp>
+        <p:nvSpPr>
+          <p:cNvPr id="25" name="TextBox 24">
+            <a:extLst>
+              <a:ext uri="{FF2B5EF4-FFF2-40B4-BE49-F238E27FC236}">
+                <a16:creationId xmlns:a16="http://schemas.microsoft.com/office/drawing/2014/main" id="{F1A709A6-1F38-660A-6D76-C9D74A734D22}"/>
+              </a:ext>
+            </a:extLst>
+          </p:cNvPr>
+          <p:cNvSpPr txBox="1"/>
+          <p:nvPr/>
+        </p:nvSpPr>
+        <p:spPr>
+          <a:xfrm>
+            <a:off x="7587705" y="6264498"/>
+            <a:ext cx="1301062" cy="369332"/>
+          </a:xfrm>
+          <a:prstGeom prst="rect">
+            <a:avLst/>
+          </a:prstGeom>
+          <a:noFill/>
+        </p:spPr>
+        <p:txBody>
+          <a:bodyPr wrap="none" rtlCol="0">
+            <a:spAutoFit/>
+          </a:bodyPr>
+          <a:lstStyle/>
+          <a:p>
+            <a:r>
+              <a:rPr lang="en-US" dirty="0" err="1">
+                <a:solidFill>
+                  <a:srgbClr val="FF0000"/>
+                </a:solidFill>
+              </a:rPr>
+              <a:t>df.iloc</a:t>
+            </a:r>
+            <a:r>
+              <a:rPr lang="en-US" dirty="0">
+                <a:solidFill>
+                  <a:srgbClr val="FF0000"/>
+                </a:solidFill>
+              </a:rPr>
+              <a:t>[2, -5]</a:t>
+            </a:r>
           </a:p>
         </p:txBody>
       </p:sp>
     </p:spTree>
     <p:extLst>
       <p:ext uri="{BB962C8B-B14F-4D97-AF65-F5344CB8AC3E}">
-        <p14:creationId xmlns:p14="http://schemas.microsoft.com/office/powerpoint/2010/main" val="1784840646"/>
+        <p14:creationId xmlns:p14="http://schemas.microsoft.com/office/powerpoint/2010/main" val="969045913"/>
+      </p:ext>
+    </p:extLst>
+  </p:cSld>
+  <p:clrMapOvr>
+    <a:masterClrMapping/>
+  </p:clrMapOvr>
+</p:sld>
+</file>
+
+<file path=ppt/slides/slide13.xml><?xml version="1.0" encoding="utf-8"?>
+<p:sld xmlns:a="http://schemas.openxmlformats.org/drawingml/2006/main" xmlns:r="http://schemas.openxmlformats.org/officeDocument/2006/relationships" xmlns:p="http://schemas.openxmlformats.org/presentationml/2006/main">
+  <p:cSld>
+    <p:spTree>
+      <p:nvGrpSpPr>
+        <p:cNvPr id="1" name=""/>
+        <p:cNvGrpSpPr/>
+        <p:nvPr/>
+      </p:nvGrpSpPr>
+      <p:grpSpPr>
+        <a:xfrm>
+          <a:off x="0" y="0"/>
+          <a:ext cx="0" cy="0"/>
+          <a:chOff x="0" y="0"/>
+          <a:chExt cx="0" cy="0"/>
+        </a:xfrm>
+      </p:grpSpPr>
+      <p:sp>
+        <p:nvSpPr>
+          <p:cNvPr id="4" name="TextBox 3">
+            <a:extLst>
+              <a:ext uri="{FF2B5EF4-FFF2-40B4-BE49-F238E27FC236}">
+                <a16:creationId xmlns:a16="http://schemas.microsoft.com/office/drawing/2014/main" id="{B7222FB0-5B01-6328-25D0-B7C005B2CFD5}"/>
+              </a:ext>
+            </a:extLst>
+          </p:cNvPr>
+          <p:cNvSpPr txBox="1"/>
+          <p:nvPr/>
+        </p:nvSpPr>
+        <p:spPr>
+          <a:xfrm>
+            <a:off x="279684" y="405663"/>
+            <a:ext cx="4928529" cy="523220"/>
+          </a:xfrm>
+          <a:prstGeom prst="rect">
+            <a:avLst/>
+          </a:prstGeom>
+          <a:noFill/>
+        </p:spPr>
+        <p:txBody>
+          <a:bodyPr wrap="none" rtlCol="0">
+            <a:spAutoFit/>
+          </a:bodyPr>
+          <a:lstStyle/>
+          <a:p>
+            <a:r>
+              <a:rPr lang="en-US" sz="2800" b="1" dirty="0"/>
+              <a:t>Filtering with conditional masks</a:t>
+            </a:r>
+          </a:p>
+        </p:txBody>
+      </p:sp>
+      <p:pic>
+        <p:nvPicPr>
+          <p:cNvPr id="3" name="Picture 2">
+            <a:extLst>
+              <a:ext uri="{FF2B5EF4-FFF2-40B4-BE49-F238E27FC236}">
+                <a16:creationId xmlns:a16="http://schemas.microsoft.com/office/drawing/2014/main" id="{8FCB26B4-C8B2-472B-15E9-F3DC0E6049F0}"/>
+              </a:ext>
+            </a:extLst>
+          </p:cNvPr>
+          <p:cNvPicPr>
+            <a:picLocks noChangeAspect="1"/>
+          </p:cNvPicPr>
+          <p:nvPr/>
+        </p:nvPicPr>
+        <p:blipFill>
+          <a:blip r:embed="rId2"/>
+          <a:stretch>
+            <a:fillRect/>
+          </a:stretch>
+        </p:blipFill>
+        <p:spPr>
+          <a:xfrm>
+            <a:off x="279684" y="2000497"/>
+            <a:ext cx="3390900" cy="2667000"/>
+          </a:xfrm>
+          <a:prstGeom prst="rect">
+            <a:avLst/>
+          </a:prstGeom>
+        </p:spPr>
+      </p:pic>
+      <p:pic>
+        <p:nvPicPr>
+          <p:cNvPr id="6" name="Picture 5">
+            <a:extLst>
+              <a:ext uri="{FF2B5EF4-FFF2-40B4-BE49-F238E27FC236}">
+                <a16:creationId xmlns:a16="http://schemas.microsoft.com/office/drawing/2014/main" id="{7E451349-F5CA-F34B-1D21-845EF2EC8BB9}"/>
+              </a:ext>
+            </a:extLst>
+          </p:cNvPr>
+          <p:cNvPicPr>
+            <a:picLocks noChangeAspect="1"/>
+          </p:cNvPicPr>
+          <p:nvPr/>
+        </p:nvPicPr>
+        <p:blipFill>
+          <a:blip r:embed="rId3"/>
+          <a:stretch>
+            <a:fillRect/>
+          </a:stretch>
+        </p:blipFill>
+        <p:spPr>
+          <a:xfrm>
+            <a:off x="8015984" y="2504366"/>
+            <a:ext cx="3314700" cy="1460500"/>
+          </a:xfrm>
+          <a:prstGeom prst="rect">
+            <a:avLst/>
+          </a:prstGeom>
+        </p:spPr>
+      </p:pic>
+      <p:pic>
+        <p:nvPicPr>
+          <p:cNvPr id="22" name="Picture 21">
+            <a:extLst>
+              <a:ext uri="{FF2B5EF4-FFF2-40B4-BE49-F238E27FC236}">
+                <a16:creationId xmlns:a16="http://schemas.microsoft.com/office/drawing/2014/main" id="{9C8F6566-9DC2-E799-2B2F-A7C34857554F}"/>
+              </a:ext>
+            </a:extLst>
+          </p:cNvPr>
+          <p:cNvPicPr>
+            <a:picLocks noChangeAspect="1"/>
+          </p:cNvPicPr>
+          <p:nvPr/>
+        </p:nvPicPr>
+        <p:blipFill>
+          <a:blip r:embed="rId4"/>
+          <a:stretch>
+            <a:fillRect/>
+          </a:stretch>
+        </p:blipFill>
+        <p:spPr>
+          <a:xfrm>
+            <a:off x="4176017" y="1987797"/>
+            <a:ext cx="3327400" cy="2679700"/>
+          </a:xfrm>
+          <a:prstGeom prst="rect">
+            <a:avLst/>
+          </a:prstGeom>
+        </p:spPr>
+      </p:pic>
+      <p:sp>
+        <p:nvSpPr>
+          <p:cNvPr id="23" name="TextBox 22">
+            <a:extLst>
+              <a:ext uri="{FF2B5EF4-FFF2-40B4-BE49-F238E27FC236}">
+                <a16:creationId xmlns:a16="http://schemas.microsoft.com/office/drawing/2014/main" id="{1A8E6838-8066-FF21-1ED2-AC5F45B27CBB}"/>
+              </a:ext>
+            </a:extLst>
+          </p:cNvPr>
+          <p:cNvSpPr txBox="1"/>
+          <p:nvPr/>
+        </p:nvSpPr>
+        <p:spPr>
+          <a:xfrm>
+            <a:off x="4947485" y="5153891"/>
+            <a:ext cx="1508746" cy="369332"/>
+          </a:xfrm>
+          <a:prstGeom prst="rect">
+            <a:avLst/>
+          </a:prstGeom>
+          <a:noFill/>
+        </p:spPr>
+        <p:txBody>
+          <a:bodyPr wrap="none" rtlCol="0">
+            <a:spAutoFit/>
+          </a:bodyPr>
+          <a:lstStyle/>
+          <a:p>
+            <a:r>
+              <a:rPr lang="en-US" dirty="0"/>
+              <a:t>Mask of  A &gt; 2</a:t>
+            </a:r>
+          </a:p>
+        </p:txBody>
+      </p:sp>
+      <p:sp>
+        <p:nvSpPr>
+          <p:cNvPr id="24" name="TextBox 23">
+            <a:extLst>
+              <a:ext uri="{FF2B5EF4-FFF2-40B4-BE49-F238E27FC236}">
+                <a16:creationId xmlns:a16="http://schemas.microsoft.com/office/drawing/2014/main" id="{80C56E2B-CC15-B426-520A-EE8FB12C7EBD}"/>
+              </a:ext>
+            </a:extLst>
+          </p:cNvPr>
+          <p:cNvSpPr txBox="1"/>
+          <p:nvPr/>
+        </p:nvSpPr>
+        <p:spPr>
+          <a:xfrm>
+            <a:off x="1005060" y="5136677"/>
+            <a:ext cx="1940147" cy="369332"/>
+          </a:xfrm>
+          <a:prstGeom prst="rect">
+            <a:avLst/>
+          </a:prstGeom>
+          <a:noFill/>
+        </p:spPr>
+        <p:txBody>
+          <a:bodyPr wrap="none" rtlCol="0">
+            <a:spAutoFit/>
+          </a:bodyPr>
+          <a:lstStyle/>
+          <a:p>
+            <a:r>
+              <a:rPr lang="en-US" dirty="0"/>
+              <a:t>Original </a:t>
+            </a:r>
+            <a:r>
+              <a:rPr lang="en-US" dirty="0" err="1"/>
+              <a:t>dataframe</a:t>
+            </a:r>
+            <a:endParaRPr lang="en-US" dirty="0"/>
+          </a:p>
+        </p:txBody>
+      </p:sp>
+      <p:sp>
+        <p:nvSpPr>
+          <p:cNvPr id="25" name="TextBox 24">
+            <a:extLst>
+              <a:ext uri="{FF2B5EF4-FFF2-40B4-BE49-F238E27FC236}">
+                <a16:creationId xmlns:a16="http://schemas.microsoft.com/office/drawing/2014/main" id="{3297B82D-8671-B152-B50B-FB0DEFE738D0}"/>
+              </a:ext>
+            </a:extLst>
+          </p:cNvPr>
+          <p:cNvSpPr txBox="1"/>
+          <p:nvPr/>
+        </p:nvSpPr>
+        <p:spPr>
+          <a:xfrm>
+            <a:off x="8833889" y="5153891"/>
+            <a:ext cx="1436612" cy="369332"/>
+          </a:xfrm>
+          <a:prstGeom prst="rect">
+            <a:avLst/>
+          </a:prstGeom>
+          <a:noFill/>
+        </p:spPr>
+        <p:txBody>
+          <a:bodyPr wrap="none" rtlCol="0">
+            <a:spAutoFit/>
+          </a:bodyPr>
+          <a:lstStyle/>
+          <a:p>
+            <a:r>
+              <a:rPr lang="en-US" dirty="0"/>
+              <a:t>Mask applied</a:t>
+            </a:r>
+          </a:p>
+        </p:txBody>
+      </p:sp>
+      <p:sp>
+        <p:nvSpPr>
+          <p:cNvPr id="27" name="TextBox 26">
+            <a:extLst>
+              <a:ext uri="{FF2B5EF4-FFF2-40B4-BE49-F238E27FC236}">
+                <a16:creationId xmlns:a16="http://schemas.microsoft.com/office/drawing/2014/main" id="{2BC3E1F1-BBEB-EE2B-6179-99D8D55A1AA7}"/>
+              </a:ext>
+            </a:extLst>
+          </p:cNvPr>
+          <p:cNvSpPr txBox="1"/>
+          <p:nvPr/>
+        </p:nvSpPr>
+        <p:spPr>
+          <a:xfrm>
+            <a:off x="358253" y="6087533"/>
+            <a:ext cx="6097978" cy="369332"/>
+          </a:xfrm>
+          <a:prstGeom prst="rect">
+            <a:avLst/>
+          </a:prstGeom>
+          <a:noFill/>
+        </p:spPr>
+        <p:txBody>
+          <a:bodyPr wrap="square">
+            <a:spAutoFit/>
+          </a:bodyPr>
+          <a:lstStyle/>
+          <a:p>
+            <a:r>
+              <a:rPr lang="en-US" dirty="0" err="1">
+                <a:solidFill>
+                  <a:srgbClr val="FF0000"/>
+                </a:solidFill>
+              </a:rPr>
+              <a:t>df</a:t>
+            </a:r>
+            <a:r>
+              <a:rPr lang="en-US" dirty="0">
+                <a:solidFill>
+                  <a:srgbClr val="FF0000"/>
+                </a:solidFill>
+              </a:rPr>
+              <a:t>[</a:t>
+            </a:r>
+            <a:r>
+              <a:rPr lang="en-US" dirty="0" err="1">
+                <a:solidFill>
+                  <a:srgbClr val="FF0000"/>
+                </a:solidFill>
+              </a:rPr>
+              <a:t>df</a:t>
+            </a:r>
+            <a:r>
+              <a:rPr lang="en-US" dirty="0">
+                <a:solidFill>
+                  <a:srgbClr val="FF0000"/>
+                </a:solidFill>
+              </a:rPr>
+              <a:t>[‘A'] &gt; 2]</a:t>
+            </a:r>
+          </a:p>
+        </p:txBody>
+      </p:sp>
+    </p:spTree>
+    <p:extLst>
+      <p:ext uri="{BB962C8B-B14F-4D97-AF65-F5344CB8AC3E}">
+        <p14:creationId xmlns:p14="http://schemas.microsoft.com/office/powerpoint/2010/main" val="2691048238"/>
+      </p:ext>
+    </p:extLst>
+  </p:cSld>
+  <p:clrMapOvr>
+    <a:masterClrMapping/>
+  </p:clrMapOvr>
+</p:sld>
+</file>
+
+<file path=ppt/slides/slide14.xml><?xml version="1.0" encoding="utf-8"?>
+<p:sld xmlns:a="http://schemas.openxmlformats.org/drawingml/2006/main" xmlns:r="http://schemas.openxmlformats.org/officeDocument/2006/relationships" xmlns:p="http://schemas.openxmlformats.org/presentationml/2006/main">
+  <p:cSld>
+    <p:spTree>
+      <p:nvGrpSpPr>
+        <p:cNvPr id="1" name=""/>
+        <p:cNvGrpSpPr/>
+        <p:nvPr/>
+      </p:nvGrpSpPr>
+      <p:grpSpPr>
+        <a:xfrm>
+          <a:off x="0" y="0"/>
+          <a:ext cx="0" cy="0"/>
+          <a:chOff x="0" y="0"/>
+          <a:chExt cx="0" cy="0"/>
+        </a:xfrm>
+      </p:grpSpPr>
+      <p:sp>
+        <p:nvSpPr>
+          <p:cNvPr id="4" name="TextBox 3">
+            <a:extLst>
+              <a:ext uri="{FF2B5EF4-FFF2-40B4-BE49-F238E27FC236}">
+                <a16:creationId xmlns:a16="http://schemas.microsoft.com/office/drawing/2014/main" id="{93FBE0E3-561C-836F-5A92-C3643C50E49D}"/>
+              </a:ext>
+            </a:extLst>
+          </p:cNvPr>
+          <p:cNvSpPr txBox="1"/>
+          <p:nvPr/>
+        </p:nvSpPr>
+        <p:spPr>
+          <a:xfrm>
+            <a:off x="509665" y="344773"/>
+            <a:ext cx="3622530" cy="461665"/>
+          </a:xfrm>
+          <a:prstGeom prst="rect">
+            <a:avLst/>
+          </a:prstGeom>
+          <a:noFill/>
+        </p:spPr>
+        <p:txBody>
+          <a:bodyPr wrap="none" rtlCol="0">
+            <a:spAutoFit/>
+          </a:bodyPr>
+          <a:lstStyle/>
+          <a:p>
+            <a:r>
+              <a:rPr lang="en-US" sz="2400" b="1" dirty="0"/>
+              <a:t>Grouping and </a:t>
+            </a:r>
+            <a:r>
+              <a:rPr lang="en-US" sz="2400" b="1" dirty="0" err="1"/>
+              <a:t>summarising</a:t>
+            </a:r>
+            <a:endParaRPr lang="en-US" sz="2400" b="1" dirty="0"/>
+          </a:p>
+        </p:txBody>
+      </p:sp>
+      <p:sp>
+        <p:nvSpPr>
+          <p:cNvPr id="5" name="TextBox 4">
+            <a:extLst>
+              <a:ext uri="{FF2B5EF4-FFF2-40B4-BE49-F238E27FC236}">
+                <a16:creationId xmlns:a16="http://schemas.microsoft.com/office/drawing/2014/main" id="{80CB783C-3B70-ACBA-3376-59705AF917DF}"/>
+              </a:ext>
+            </a:extLst>
+          </p:cNvPr>
+          <p:cNvSpPr txBox="1"/>
+          <p:nvPr/>
+        </p:nvSpPr>
+        <p:spPr>
+          <a:xfrm>
+            <a:off x="644530" y="5174627"/>
+            <a:ext cx="2991460" cy="369332"/>
+          </a:xfrm>
+          <a:prstGeom prst="rect">
+            <a:avLst/>
+          </a:prstGeom>
+          <a:noFill/>
+        </p:spPr>
+        <p:txBody>
+          <a:bodyPr wrap="none" rtlCol="0">
+            <a:spAutoFit/>
+          </a:bodyPr>
+          <a:lstStyle/>
+          <a:p>
+            <a:r>
+              <a:rPr lang="en-US" dirty="0" err="1">
+                <a:solidFill>
+                  <a:srgbClr val="FF0000"/>
+                </a:solidFill>
+              </a:rPr>
+              <a:t>df.group_by</a:t>
+            </a:r>
+            <a:r>
+              <a:rPr lang="en-US" dirty="0">
+                <a:solidFill>
+                  <a:srgbClr val="FF0000"/>
+                </a:solidFill>
+              </a:rPr>
+              <a:t>(‘Sample’).mean()</a:t>
+            </a:r>
+          </a:p>
+        </p:txBody>
+      </p:sp>
+      <p:pic>
+        <p:nvPicPr>
+          <p:cNvPr id="12" name="Picture 11">
+            <a:extLst>
+              <a:ext uri="{FF2B5EF4-FFF2-40B4-BE49-F238E27FC236}">
+                <a16:creationId xmlns:a16="http://schemas.microsoft.com/office/drawing/2014/main" id="{C99E1328-BEA7-141D-C452-D32B7F37FE4D}"/>
+              </a:ext>
+            </a:extLst>
+          </p:cNvPr>
+          <p:cNvPicPr>
+            <a:picLocks noChangeAspect="1"/>
+          </p:cNvPicPr>
+          <p:nvPr/>
+        </p:nvPicPr>
+        <p:blipFill>
+          <a:blip r:embed="rId2"/>
+          <a:stretch>
+            <a:fillRect/>
+          </a:stretch>
+        </p:blipFill>
+        <p:spPr>
+          <a:xfrm>
+            <a:off x="5025556" y="2083788"/>
+            <a:ext cx="3340100" cy="1854200"/>
+          </a:xfrm>
+          <a:prstGeom prst="rect">
+            <a:avLst/>
+          </a:prstGeom>
+        </p:spPr>
+      </p:pic>
+      <p:pic>
+        <p:nvPicPr>
+          <p:cNvPr id="14" name="Picture 13">
+            <a:extLst>
+              <a:ext uri="{FF2B5EF4-FFF2-40B4-BE49-F238E27FC236}">
+                <a16:creationId xmlns:a16="http://schemas.microsoft.com/office/drawing/2014/main" id="{15D7A3A3-8739-50B5-DF39-1471E3315E6F}"/>
+              </a:ext>
+            </a:extLst>
+          </p:cNvPr>
+          <p:cNvPicPr>
+            <a:picLocks noChangeAspect="1"/>
+          </p:cNvPicPr>
+          <p:nvPr/>
+        </p:nvPicPr>
+        <p:blipFill>
+          <a:blip r:embed="rId3"/>
+          <a:stretch>
+            <a:fillRect/>
+          </a:stretch>
+        </p:blipFill>
+        <p:spPr>
+          <a:xfrm>
+            <a:off x="644530" y="1677388"/>
+            <a:ext cx="3352800" cy="2667000"/>
+          </a:xfrm>
+          <a:prstGeom prst="rect">
+            <a:avLst/>
+          </a:prstGeom>
+        </p:spPr>
+      </p:pic>
+    </p:spTree>
+    <p:extLst>
+      <p:ext uri="{BB962C8B-B14F-4D97-AF65-F5344CB8AC3E}">
+        <p14:creationId xmlns:p14="http://schemas.microsoft.com/office/powerpoint/2010/main" val="163233218"/>
+      </p:ext>
+    </p:extLst>
+  </p:cSld>
+  <p:clrMapOvr>
+    <a:masterClrMapping/>
+  </p:clrMapOvr>
+</p:sld>
+</file>
+
+<file path=ppt/slides/slide15.xml><?xml version="1.0" encoding="utf-8"?>
+<p:sld xmlns:a="http://schemas.openxmlformats.org/drawingml/2006/main" xmlns:r="http://schemas.openxmlformats.org/officeDocument/2006/relationships" xmlns:p="http://schemas.openxmlformats.org/presentationml/2006/main">
+  <p:cSld>
+    <p:spTree>
+      <p:nvGrpSpPr>
+        <p:cNvPr id="1" name=""/>
+        <p:cNvGrpSpPr/>
+        <p:nvPr/>
+      </p:nvGrpSpPr>
+      <p:grpSpPr>
+        <a:xfrm>
+          <a:off x="0" y="0"/>
+          <a:ext cx="0" cy="0"/>
+          <a:chOff x="0" y="0"/>
+          <a:chExt cx="0" cy="0"/>
+        </a:xfrm>
+      </p:grpSpPr>
+      <p:sp>
+        <p:nvSpPr>
+          <p:cNvPr id="4" name="TextBox 3">
+            <a:extLst>
+              <a:ext uri="{FF2B5EF4-FFF2-40B4-BE49-F238E27FC236}">
+                <a16:creationId xmlns:a16="http://schemas.microsoft.com/office/drawing/2014/main" id="{6E7E1838-EAD9-0B27-F828-BCFC45D5AC8A}"/>
+              </a:ext>
+            </a:extLst>
+          </p:cNvPr>
+          <p:cNvSpPr txBox="1"/>
+          <p:nvPr/>
+        </p:nvSpPr>
+        <p:spPr>
+          <a:xfrm>
+            <a:off x="569626" y="749508"/>
+            <a:ext cx="3280385" cy="369332"/>
+          </a:xfrm>
+          <a:prstGeom prst="rect">
+            <a:avLst/>
+          </a:prstGeom>
+          <a:noFill/>
+        </p:spPr>
+        <p:txBody>
+          <a:bodyPr wrap="none" rtlCol="0">
+            <a:spAutoFit/>
+          </a:bodyPr>
+          <a:lstStyle/>
+          <a:p>
+            <a:r>
+              <a:rPr lang="en-US" b="1" dirty="0"/>
+              <a:t>Pivot tables for aggregating data</a:t>
+            </a:r>
+          </a:p>
+        </p:txBody>
+      </p:sp>
+      <p:pic>
+        <p:nvPicPr>
+          <p:cNvPr id="5" name="Picture 4">
+            <a:extLst>
+              <a:ext uri="{FF2B5EF4-FFF2-40B4-BE49-F238E27FC236}">
+                <a16:creationId xmlns:a16="http://schemas.microsoft.com/office/drawing/2014/main" id="{D12B67BF-C177-B5FD-A739-C7BB38BD1781}"/>
+              </a:ext>
+            </a:extLst>
+          </p:cNvPr>
+          <p:cNvPicPr>
+            <a:picLocks noChangeAspect="1"/>
+          </p:cNvPicPr>
+          <p:nvPr/>
+        </p:nvPicPr>
+        <p:blipFill>
+          <a:blip r:embed="rId2"/>
+          <a:stretch>
+            <a:fillRect/>
+          </a:stretch>
+        </p:blipFill>
+        <p:spPr>
+          <a:xfrm>
+            <a:off x="5055537" y="2268454"/>
+            <a:ext cx="3340100" cy="1854200"/>
+          </a:xfrm>
+          <a:prstGeom prst="rect">
+            <a:avLst/>
+          </a:prstGeom>
+        </p:spPr>
+      </p:pic>
+      <p:pic>
+        <p:nvPicPr>
+          <p:cNvPr id="6" name="Picture 5">
+            <a:extLst>
+              <a:ext uri="{FF2B5EF4-FFF2-40B4-BE49-F238E27FC236}">
+                <a16:creationId xmlns:a16="http://schemas.microsoft.com/office/drawing/2014/main" id="{70FC6A20-F410-A44A-EE12-6740A1B3F2EB}"/>
+              </a:ext>
+            </a:extLst>
+          </p:cNvPr>
+          <p:cNvPicPr>
+            <a:picLocks noChangeAspect="1"/>
+          </p:cNvPicPr>
+          <p:nvPr/>
+        </p:nvPicPr>
+        <p:blipFill>
+          <a:blip r:embed="rId3"/>
+          <a:stretch>
+            <a:fillRect/>
+          </a:stretch>
+        </p:blipFill>
+        <p:spPr>
+          <a:xfrm>
+            <a:off x="644530" y="1862054"/>
+            <a:ext cx="3352800" cy="2667000"/>
+          </a:xfrm>
+          <a:prstGeom prst="rect">
+            <a:avLst/>
+          </a:prstGeom>
+        </p:spPr>
+      </p:pic>
+      <p:sp>
+        <p:nvSpPr>
+          <p:cNvPr id="8" name="TextBox 7">
+            <a:extLst>
+              <a:ext uri="{FF2B5EF4-FFF2-40B4-BE49-F238E27FC236}">
+                <a16:creationId xmlns:a16="http://schemas.microsoft.com/office/drawing/2014/main" id="{8B4F786A-CD46-0BD1-3505-768B63ECABCB}"/>
+              </a:ext>
+            </a:extLst>
+          </p:cNvPr>
+          <p:cNvSpPr txBox="1"/>
+          <p:nvPr/>
+        </p:nvSpPr>
+        <p:spPr>
+          <a:xfrm>
+            <a:off x="799513" y="5272268"/>
+            <a:ext cx="6100996" cy="369332"/>
+          </a:xfrm>
+          <a:prstGeom prst="rect">
+            <a:avLst/>
+          </a:prstGeom>
+          <a:noFill/>
+        </p:spPr>
+        <p:txBody>
+          <a:bodyPr wrap="square">
+            <a:spAutoFit/>
+          </a:bodyPr>
+          <a:lstStyle/>
+          <a:p>
+            <a:r>
+              <a:rPr lang="en-US" dirty="0" err="1">
+                <a:solidFill>
+                  <a:srgbClr val="FF0000"/>
+                </a:solidFill>
+              </a:rPr>
+              <a:t>df.pivot_table</a:t>
+            </a:r>
+            <a:r>
+              <a:rPr lang="en-US" dirty="0">
+                <a:solidFill>
+                  <a:srgbClr val="FF0000"/>
+                </a:solidFill>
+              </a:rPr>
+              <a:t>(index=['Sample'])</a:t>
+            </a:r>
+          </a:p>
+        </p:txBody>
+      </p:sp>
+    </p:spTree>
+    <p:extLst>
+      <p:ext uri="{BB962C8B-B14F-4D97-AF65-F5344CB8AC3E}">
+        <p14:creationId xmlns:p14="http://schemas.microsoft.com/office/powerpoint/2010/main" val="4284192812"/>
+      </p:ext>
+    </p:extLst>
+  </p:cSld>
+  <p:clrMapOvr>
+    <a:masterClrMapping/>
+  </p:clrMapOvr>
+</p:sld>
+</file>
+
+<file path=ppt/slides/slide16.xml><?xml version="1.0" encoding="utf-8"?>
+<p:sld xmlns:a="http://schemas.openxmlformats.org/drawingml/2006/main" xmlns:r="http://schemas.openxmlformats.org/officeDocument/2006/relationships" xmlns:p="http://schemas.openxmlformats.org/presentationml/2006/main">
+  <p:cSld>
+    <p:spTree>
+      <p:nvGrpSpPr>
+        <p:cNvPr id="1" name=""/>
+        <p:cNvGrpSpPr/>
+        <p:nvPr/>
+      </p:nvGrpSpPr>
+      <p:grpSpPr>
+        <a:xfrm>
+          <a:off x="0" y="0"/>
+          <a:ext cx="0" cy="0"/>
+          <a:chOff x="0" y="0"/>
+          <a:chExt cx="0" cy="0"/>
+        </a:xfrm>
+      </p:grpSpPr>
+      <p:sp>
+        <p:nvSpPr>
+          <p:cNvPr id="4" name="TextBox 3">
+            <a:extLst>
+              <a:ext uri="{FF2B5EF4-FFF2-40B4-BE49-F238E27FC236}">
+                <a16:creationId xmlns:a16="http://schemas.microsoft.com/office/drawing/2014/main" id="{88E7B1EC-3CB5-6845-1BB7-DE33934078D2}"/>
+              </a:ext>
+            </a:extLst>
+          </p:cNvPr>
+          <p:cNvSpPr txBox="1"/>
+          <p:nvPr/>
+        </p:nvSpPr>
+        <p:spPr>
+          <a:xfrm>
+            <a:off x="1006164" y="735126"/>
+            <a:ext cx="5388591" cy="461665"/>
+          </a:xfrm>
+          <a:prstGeom prst="rect">
+            <a:avLst/>
+          </a:prstGeom>
+          <a:noFill/>
+        </p:spPr>
+        <p:txBody>
+          <a:bodyPr wrap="none" rtlCol="0">
+            <a:spAutoFit/>
+          </a:bodyPr>
+          <a:lstStyle/>
+          <a:p>
+            <a:r>
+              <a:rPr lang="en-US" sz="2400" b="1" dirty="0"/>
+              <a:t>Indexes – the simple and the </a:t>
+            </a:r>
+            <a:r>
+              <a:rPr lang="en-US" sz="2400" b="1" dirty="0" err="1"/>
+              <a:t>heirarchical</a:t>
+            </a:r>
+            <a:endParaRPr lang="en-US" sz="2400" b="1" dirty="0"/>
+          </a:p>
+        </p:txBody>
+      </p:sp>
+      <p:sp>
+        <p:nvSpPr>
+          <p:cNvPr id="6" name="TextBox 5">
+            <a:extLst>
+              <a:ext uri="{FF2B5EF4-FFF2-40B4-BE49-F238E27FC236}">
+                <a16:creationId xmlns:a16="http://schemas.microsoft.com/office/drawing/2014/main" id="{2F27EBDD-C13C-0FC7-EB86-C346FCCC1ECE}"/>
+              </a:ext>
+            </a:extLst>
+          </p:cNvPr>
+          <p:cNvSpPr txBox="1"/>
+          <p:nvPr/>
+        </p:nvSpPr>
+        <p:spPr>
+          <a:xfrm>
+            <a:off x="1167983" y="5936105"/>
+            <a:ext cx="8231659" cy="369332"/>
+          </a:xfrm>
+          <a:prstGeom prst="rect">
+            <a:avLst/>
+          </a:prstGeom>
+          <a:noFill/>
+        </p:spPr>
+        <p:txBody>
+          <a:bodyPr wrap="square">
+            <a:spAutoFit/>
+          </a:bodyPr>
+          <a:lstStyle/>
+          <a:p>
+            <a:r>
+              <a:rPr lang="en-US" dirty="0"/>
+              <a:t>https://</a:t>
+            </a:r>
+            <a:r>
+              <a:rPr lang="en-US" dirty="0" err="1"/>
+              <a:t>towardsdatascience.com</a:t>
+            </a:r>
+            <a:r>
+              <a:rPr lang="en-US" dirty="0"/>
+              <a:t>/pandas-index-explained-b131beaf6f7b</a:t>
+            </a:r>
+          </a:p>
+        </p:txBody>
+      </p:sp>
+    </p:spTree>
+    <p:extLst>
+      <p:ext uri="{BB962C8B-B14F-4D97-AF65-F5344CB8AC3E}">
+        <p14:creationId xmlns:p14="http://schemas.microsoft.com/office/powerpoint/2010/main" val="2987759423"/>
       </p:ext>
     </p:extLst>
   </p:cSld>
@@ -11204,6 +13828,71 @@
           <a:chExt cx="0" cy="0"/>
         </a:xfrm>
       </p:grpSpPr>
+      <p:sp>
+        <p:nvSpPr>
+          <p:cNvPr id="4" name="TextBox 3">
+            <a:extLst>
+              <a:ext uri="{FF2B5EF4-FFF2-40B4-BE49-F238E27FC236}">
+                <a16:creationId xmlns:a16="http://schemas.microsoft.com/office/drawing/2014/main" id="{7E869A9D-A043-6DCA-4847-95F6B0CFDA98}"/>
+              </a:ext>
+            </a:extLst>
+          </p:cNvPr>
+          <p:cNvSpPr txBox="1"/>
+          <p:nvPr/>
+        </p:nvSpPr>
+        <p:spPr>
+          <a:xfrm>
+            <a:off x="630194" y="716691"/>
+            <a:ext cx="4825295" cy="369332"/>
+          </a:xfrm>
+          <a:prstGeom prst="rect">
+            <a:avLst/>
+          </a:prstGeom>
+          <a:noFill/>
+        </p:spPr>
+        <p:txBody>
+          <a:bodyPr wrap="none" rtlCol="0">
+            <a:spAutoFit/>
+          </a:bodyPr>
+          <a:lstStyle/>
+          <a:p>
+            <a:r>
+              <a:rPr lang="en-US" b="1" dirty="0"/>
+              <a:t>Making a new dataset from two or more sources</a:t>
+            </a:r>
+          </a:p>
+        </p:txBody>
+      </p:sp>
+    </p:spTree>
+    <p:extLst>
+      <p:ext uri="{BB962C8B-B14F-4D97-AF65-F5344CB8AC3E}">
+        <p14:creationId xmlns:p14="http://schemas.microsoft.com/office/powerpoint/2010/main" val="2980667624"/>
+      </p:ext>
+    </p:extLst>
+  </p:cSld>
+  <p:clrMapOvr>
+    <a:masterClrMapping/>
+  </p:clrMapOvr>
+</p:sld>
+</file>
+
+<file path=ppt/slides/slide4.xml><?xml version="1.0" encoding="utf-8"?>
+<p:sld xmlns:a="http://schemas.openxmlformats.org/drawingml/2006/main" xmlns:r="http://schemas.openxmlformats.org/officeDocument/2006/relationships" xmlns:p="http://schemas.openxmlformats.org/presentationml/2006/main">
+  <p:cSld>
+    <p:spTree>
+      <p:nvGrpSpPr>
+        <p:cNvPr id="1" name=""/>
+        <p:cNvGrpSpPr/>
+        <p:nvPr/>
+      </p:nvGrpSpPr>
+      <p:grpSpPr>
+        <a:xfrm>
+          <a:off x="0" y="0"/>
+          <a:ext cx="0" cy="0"/>
+          <a:chOff x="0" y="0"/>
+          <a:chExt cx="0" cy="0"/>
+        </a:xfrm>
+      </p:grpSpPr>
       <p:pic>
         <p:nvPicPr>
           <p:cNvPr id="5" name="Picture 4">
@@ -11247,303 +13936,6 @@
 </p:sld>
 </file>
 
-<file path=ppt/slides/slide4.xml><?xml version="1.0" encoding="utf-8"?>
-<p:sld xmlns:a="http://schemas.openxmlformats.org/drawingml/2006/main" xmlns:r="http://schemas.openxmlformats.org/officeDocument/2006/relationships" xmlns:p="http://schemas.openxmlformats.org/presentationml/2006/main">
-  <p:cSld>
-    <p:spTree>
-      <p:nvGrpSpPr>
-        <p:cNvPr id="1" name=""/>
-        <p:cNvGrpSpPr/>
-        <p:nvPr/>
-      </p:nvGrpSpPr>
-      <p:grpSpPr>
-        <a:xfrm>
-          <a:off x="0" y="0"/>
-          <a:ext cx="0" cy="0"/>
-          <a:chOff x="0" y="0"/>
-          <a:chExt cx="0" cy="0"/>
-        </a:xfrm>
-      </p:grpSpPr>
-      <p:pic>
-        <p:nvPicPr>
-          <p:cNvPr id="2050" name="Picture 2">
-            <a:extLst>
-              <a:ext uri="{FF2B5EF4-FFF2-40B4-BE49-F238E27FC236}">
-                <a16:creationId xmlns:a16="http://schemas.microsoft.com/office/drawing/2014/main" id="{2A9CFD2B-1485-B8DA-0586-317465F9BA0F}"/>
-              </a:ext>
-            </a:extLst>
-          </p:cNvPr>
-          <p:cNvPicPr>
-            <a:picLocks noChangeAspect="1" noChangeArrowheads="1"/>
-          </p:cNvPicPr>
-          <p:nvPr/>
-        </p:nvPicPr>
-        <p:blipFill>
-          <a:blip r:embed="rId2">
-            <a:extLst>
-              <a:ext uri="{28A0092B-C50C-407E-A947-70E740481C1C}">
-                <a14:useLocalDpi xmlns:a14="http://schemas.microsoft.com/office/drawing/2010/main" val="0"/>
-              </a:ext>
-            </a:extLst>
-          </a:blip>
-          <a:srcRect/>
-          <a:stretch>
-            <a:fillRect/>
-          </a:stretch>
-        </p:blipFill>
-        <p:spPr bwMode="auto">
-          <a:xfrm>
-            <a:off x="4234180" y="1250950"/>
-            <a:ext cx="4699000" cy="4762500"/>
-          </a:xfrm>
-          <a:prstGeom prst="rect">
-            <a:avLst/>
-          </a:prstGeom>
-          <a:noFill/>
-          <a:extLst>
-            <a:ext uri="{909E8E84-426E-40DD-AFC4-6F175D3DCCD1}">
-              <a14:hiddenFill xmlns:a14="http://schemas.microsoft.com/office/drawing/2010/main">
-                <a:solidFill>
-                  <a:srgbClr val="FFFFFF"/>
-                </a:solidFill>
-              </a14:hiddenFill>
-            </a:ext>
-          </a:extLst>
-        </p:spPr>
-      </p:pic>
-      <p:sp>
-        <p:nvSpPr>
-          <p:cNvPr id="7" name="TextBox 6">
-            <a:extLst>
-              <a:ext uri="{FF2B5EF4-FFF2-40B4-BE49-F238E27FC236}">
-                <a16:creationId xmlns:a16="http://schemas.microsoft.com/office/drawing/2014/main" id="{98F17AFE-D160-6CA8-57AB-EEFD1236AA2B}"/>
-              </a:ext>
-            </a:extLst>
-          </p:cNvPr>
-          <p:cNvSpPr txBox="1"/>
-          <p:nvPr/>
-        </p:nvSpPr>
-        <p:spPr>
-          <a:xfrm>
-            <a:off x="701040" y="2136894"/>
-            <a:ext cx="6096000" cy="646331"/>
-          </a:xfrm>
-          <a:prstGeom prst="rect">
-            <a:avLst/>
-          </a:prstGeom>
-          <a:noFill/>
-        </p:spPr>
-        <p:txBody>
-          <a:bodyPr wrap="square">
-            <a:spAutoFit/>
-          </a:bodyPr>
-          <a:lstStyle/>
-          <a:p>
-            <a:r>
-              <a:rPr lang="en-GB" dirty="0">
-                <a:solidFill>
-                  <a:srgbClr val="000000"/>
-                </a:solidFill>
-                <a:effectLst/>
-              </a:rPr>
-              <a:t>frames</a:t>
-            </a:r>
-            <a:r>
-              <a:rPr lang="en-GB" dirty="0"/>
-              <a:t> </a:t>
-            </a:r>
-            <a:r>
-              <a:rPr lang="en-GB" b="1" dirty="0">
-                <a:solidFill>
-                  <a:srgbClr val="CE5C00"/>
-                </a:solidFill>
-                <a:effectLst/>
-              </a:rPr>
-              <a:t>=</a:t>
-            </a:r>
-            <a:r>
-              <a:rPr lang="en-GB" dirty="0"/>
-              <a:t> </a:t>
-            </a:r>
-            <a:r>
-              <a:rPr lang="en-GB" b="1" dirty="0">
-                <a:solidFill>
-                  <a:srgbClr val="000000"/>
-                </a:solidFill>
-                <a:effectLst/>
-              </a:rPr>
-              <a:t>[</a:t>
-            </a:r>
-            <a:r>
-              <a:rPr lang="en-GB" dirty="0">
-                <a:solidFill>
-                  <a:srgbClr val="000000"/>
-                </a:solidFill>
-                <a:effectLst/>
-              </a:rPr>
-              <a:t>df1</a:t>
-            </a:r>
-            <a:r>
-              <a:rPr lang="en-GB" b="1" dirty="0">
-                <a:solidFill>
-                  <a:srgbClr val="000000"/>
-                </a:solidFill>
-                <a:effectLst/>
-              </a:rPr>
-              <a:t>,</a:t>
-            </a:r>
-            <a:r>
-              <a:rPr lang="en-GB" dirty="0"/>
-              <a:t> </a:t>
-            </a:r>
-            <a:r>
-              <a:rPr lang="en-GB" dirty="0">
-                <a:solidFill>
-                  <a:srgbClr val="000000"/>
-                </a:solidFill>
-                <a:effectLst/>
-              </a:rPr>
-              <a:t>df2</a:t>
-            </a:r>
-            <a:r>
-              <a:rPr lang="en-GB" b="1" dirty="0">
-                <a:solidFill>
-                  <a:srgbClr val="000000"/>
-                </a:solidFill>
-                <a:effectLst/>
-              </a:rPr>
-              <a:t>,</a:t>
-            </a:r>
-            <a:r>
-              <a:rPr lang="en-GB" dirty="0"/>
-              <a:t> </a:t>
-            </a:r>
-            <a:r>
-              <a:rPr lang="en-GB" dirty="0">
-                <a:solidFill>
-                  <a:srgbClr val="000000"/>
-                </a:solidFill>
-                <a:effectLst/>
-              </a:rPr>
-              <a:t>df3</a:t>
-            </a:r>
-            <a:r>
-              <a:rPr lang="en-GB" b="1" dirty="0">
-                <a:solidFill>
-                  <a:srgbClr val="000000"/>
-                </a:solidFill>
-                <a:effectLst/>
-              </a:rPr>
-              <a:t>]</a:t>
-            </a:r>
-          </a:p>
-          <a:p>
-            <a:r>
-              <a:rPr lang="en-GB" dirty="0">
-                <a:solidFill>
-                  <a:srgbClr val="8F5902"/>
-                </a:solidFill>
-                <a:effectLst/>
-              </a:rPr>
-              <a:t> </a:t>
-            </a:r>
-            <a:r>
-              <a:rPr lang="en-GB" dirty="0">
-                <a:solidFill>
-                  <a:srgbClr val="000000"/>
-                </a:solidFill>
-                <a:effectLst/>
-              </a:rPr>
-              <a:t>result</a:t>
-            </a:r>
-            <a:r>
-              <a:rPr lang="en-GB" dirty="0"/>
-              <a:t> </a:t>
-            </a:r>
-            <a:r>
-              <a:rPr lang="en-GB" b="1" dirty="0">
-                <a:solidFill>
-                  <a:srgbClr val="CE5C00"/>
-                </a:solidFill>
-                <a:effectLst/>
-              </a:rPr>
-              <a:t>=</a:t>
-            </a:r>
-            <a:r>
-              <a:rPr lang="en-GB" dirty="0"/>
-              <a:t> </a:t>
-            </a:r>
-            <a:r>
-              <a:rPr lang="en-GB" dirty="0" err="1">
-                <a:solidFill>
-                  <a:srgbClr val="000000"/>
-                </a:solidFill>
-                <a:effectLst/>
-              </a:rPr>
-              <a:t>pd</a:t>
-            </a:r>
-            <a:r>
-              <a:rPr lang="en-GB" b="1" dirty="0" err="1">
-                <a:solidFill>
-                  <a:srgbClr val="CE5C00"/>
-                </a:solidFill>
-                <a:effectLst/>
-              </a:rPr>
-              <a:t>.</a:t>
-            </a:r>
-            <a:r>
-              <a:rPr lang="en-GB" dirty="0" err="1">
-                <a:solidFill>
-                  <a:srgbClr val="000000"/>
-                </a:solidFill>
-                <a:effectLst/>
-              </a:rPr>
-              <a:t>concat</a:t>
-            </a:r>
-            <a:r>
-              <a:rPr lang="en-GB" b="1" dirty="0">
-                <a:solidFill>
-                  <a:srgbClr val="000000"/>
-                </a:solidFill>
-                <a:effectLst/>
-              </a:rPr>
-              <a:t>(</a:t>
-            </a:r>
-            <a:r>
-              <a:rPr lang="en-GB" dirty="0">
-                <a:solidFill>
-                  <a:srgbClr val="000000"/>
-                </a:solidFill>
-                <a:effectLst/>
-              </a:rPr>
-              <a:t>frames</a:t>
-            </a:r>
-            <a:r>
-              <a:rPr lang="en-GB" b="1" dirty="0">
-                <a:solidFill>
-                  <a:srgbClr val="000000"/>
-                </a:solidFill>
-                <a:effectLst/>
-              </a:rPr>
-              <a:t>)</a:t>
-            </a:r>
-            <a:endParaRPr lang="en-US" dirty="0"/>
-          </a:p>
-        </p:txBody>
-      </p:sp>
-    </p:spTree>
-    <p:extLst>
-      <p:ext uri="{BB962C8B-B14F-4D97-AF65-F5344CB8AC3E}">
-        <p14:creationId xmlns:p14="http://schemas.microsoft.com/office/powerpoint/2010/main" val="1231626656"/>
-      </p:ext>
-    </p:extLst>
-  </p:cSld>
-  <p:clrMapOvr>
-    <a:masterClrMapping/>
-  </p:clrMapOvr>
-</p:sld>
-</file>
-
 <file path=ppt/slides/slide5.xml><?xml version="1.0" encoding="utf-8"?>
 <p:sld xmlns:a="http://schemas.openxmlformats.org/drawingml/2006/main" xmlns:r="http://schemas.openxmlformats.org/officeDocument/2006/relationships" xmlns:p="http://schemas.openxmlformats.org/presentationml/2006/main">
   <p:cSld>
@@ -11561,59 +13953,12 @@
           <a:chExt cx="0" cy="0"/>
         </a:xfrm>
       </p:grpSpPr>
-      <p:pic>
-        <p:nvPicPr>
-          <p:cNvPr id="3074" name="Picture 2">
+      <p:sp>
+        <p:nvSpPr>
+          <p:cNvPr id="7" name="TextBox 6">
             <a:extLst>
               <a:ext uri="{FF2B5EF4-FFF2-40B4-BE49-F238E27FC236}">
-                <a16:creationId xmlns:a16="http://schemas.microsoft.com/office/drawing/2014/main" id="{6B351457-6B93-114F-54CA-D9D84EDFCD3F}"/>
-              </a:ext>
-            </a:extLst>
-          </p:cNvPr>
-          <p:cNvPicPr>
-            <a:picLocks noChangeAspect="1" noChangeArrowheads="1"/>
-          </p:cNvPicPr>
-          <p:nvPr/>
-        </p:nvPicPr>
-        <p:blipFill>
-          <a:blip r:embed="rId2">
-            <a:extLst>
-              <a:ext uri="{28A0092B-C50C-407E-A947-70E740481C1C}">
-                <a14:useLocalDpi xmlns:a14="http://schemas.microsoft.com/office/drawing/2010/main" val="0"/>
-              </a:ext>
-            </a:extLst>
-          </a:blip>
-          <a:srcRect/>
-          <a:stretch>
-            <a:fillRect/>
-          </a:stretch>
-        </p:blipFill>
-        <p:spPr bwMode="auto">
-          <a:xfrm>
-            <a:off x="5787390" y="966470"/>
-            <a:ext cx="5168900" cy="4762500"/>
-          </a:xfrm>
-          <a:prstGeom prst="rect">
-            <a:avLst/>
-          </a:prstGeom>
-          <a:noFill/>
-          <a:extLst>
-            <a:ext uri="{909E8E84-426E-40DD-AFC4-6F175D3DCCD1}">
-              <a14:hiddenFill xmlns:a14="http://schemas.microsoft.com/office/drawing/2010/main">
-                <a:solidFill>
-                  <a:srgbClr val="FFFFFF"/>
-                </a:solidFill>
-              </a14:hiddenFill>
-            </a:ext>
-          </a:extLst>
-        </p:spPr>
-      </p:pic>
-      <p:sp>
-        <p:nvSpPr>
-          <p:cNvPr id="5" name="TextBox 4">
-            <a:extLst>
-              <a:ext uri="{FF2B5EF4-FFF2-40B4-BE49-F238E27FC236}">
-                <a16:creationId xmlns:a16="http://schemas.microsoft.com/office/drawing/2014/main" id="{2198A54C-7093-E059-5B1A-FE56BCB9F7A7}"/>
+                <a16:creationId xmlns:a16="http://schemas.microsoft.com/office/drawing/2014/main" id="{98F17AFE-D160-6CA8-57AB-EEFD1236AA2B}"/>
               </a:ext>
             </a:extLst>
           </p:cNvPr>
@@ -11622,8 +13967,8 @@
         </p:nvSpPr>
         <p:spPr>
           <a:xfrm>
-            <a:off x="650240" y="2065774"/>
-            <a:ext cx="6096000" cy="369332"/>
+            <a:off x="365760" y="927784"/>
+            <a:ext cx="6096000" cy="646331"/>
           </a:xfrm>
           <a:prstGeom prst="rect">
             <a:avLst/>
@@ -11643,7 +13988,7 @@
                 </a:solidFill>
                 <a:effectLst/>
               </a:rPr>
-              <a:t>result</a:t>
+              <a:t>frames</a:t>
             </a:r>
             <a:r>
               <a:rPr lang="en-GB" dirty="0"/>
@@ -11663,6 +14008,114 @@
               <a:t> </a:t>
             </a:r>
             <a:r>
+              <a:rPr lang="en-GB" b="1" dirty="0">
+                <a:solidFill>
+                  <a:srgbClr val="000000"/>
+                </a:solidFill>
+                <a:effectLst/>
+              </a:rPr>
+              <a:t>[</a:t>
+            </a:r>
+            <a:r>
+              <a:rPr lang="en-GB" dirty="0">
+                <a:solidFill>
+                  <a:srgbClr val="000000"/>
+                </a:solidFill>
+                <a:effectLst/>
+              </a:rPr>
+              <a:t>df1</a:t>
+            </a:r>
+            <a:r>
+              <a:rPr lang="en-GB" b="1" dirty="0">
+                <a:solidFill>
+                  <a:srgbClr val="000000"/>
+                </a:solidFill>
+                <a:effectLst/>
+              </a:rPr>
+              <a:t>,</a:t>
+            </a:r>
+            <a:r>
+              <a:rPr lang="en-GB" dirty="0"/>
+              <a:t> </a:t>
+            </a:r>
+            <a:r>
+              <a:rPr lang="en-GB" dirty="0">
+                <a:solidFill>
+                  <a:srgbClr val="000000"/>
+                </a:solidFill>
+                <a:effectLst/>
+              </a:rPr>
+              <a:t>df2</a:t>
+            </a:r>
+            <a:r>
+              <a:rPr lang="en-GB" b="1" dirty="0">
+                <a:solidFill>
+                  <a:srgbClr val="000000"/>
+                </a:solidFill>
+                <a:effectLst/>
+              </a:rPr>
+              <a:t>,</a:t>
+            </a:r>
+            <a:r>
+              <a:rPr lang="en-GB" dirty="0"/>
+              <a:t> </a:t>
+            </a:r>
+            <a:r>
+              <a:rPr lang="en-GB" dirty="0">
+                <a:solidFill>
+                  <a:srgbClr val="000000"/>
+                </a:solidFill>
+                <a:effectLst/>
+              </a:rPr>
+              <a:t>df3</a:t>
+            </a:r>
+            <a:r>
+              <a:rPr lang="en-GB" b="1" dirty="0">
+                <a:solidFill>
+                  <a:srgbClr val="000000"/>
+                </a:solidFill>
+                <a:effectLst/>
+              </a:rPr>
+              <a:t>]</a:t>
+            </a:r>
+          </a:p>
+          <a:p>
+            <a:r>
+              <a:rPr lang="en-GB" dirty="0">
+                <a:solidFill>
+                  <a:srgbClr val="8F5902"/>
+                </a:solidFill>
+                <a:effectLst/>
+              </a:rPr>
+              <a:t> </a:t>
+            </a:r>
+            <a:r>
+              <a:rPr lang="en-GB" dirty="0">
+                <a:solidFill>
+                  <a:srgbClr val="000000"/>
+                </a:solidFill>
+                <a:effectLst/>
+              </a:rPr>
+              <a:t>result</a:t>
+            </a:r>
+            <a:r>
+              <a:rPr lang="en-GB" dirty="0"/>
+              <a:t> </a:t>
+            </a:r>
+            <a:r>
+              <a:rPr lang="en-GB" b="1" dirty="0">
+                <a:solidFill>
+                  <a:srgbClr val="CE5C00"/>
+                </a:solidFill>
+                <a:effectLst/>
+              </a:rPr>
+              <a:t>=</a:t>
+            </a:r>
+            <a:r>
+              <a:rPr lang="en-GB" dirty="0"/>
+              <a:t> </a:t>
+            </a:r>
+            <a:r>
               <a:rPr lang="en-GB" dirty="0" err="1">
                 <a:solidFill>
                   <a:srgbClr val="000000"/>
@@ -11705,7 +14158,7 @@
                 </a:solidFill>
                 <a:effectLst/>
               </a:rPr>
-              <a:t>frames</a:t>
+              <a:t>frames, axis = 0</a:t>
             </a:r>
             <a:r>
               <a:rPr lang="en-GB" b="1" dirty="0">
@@ -11714,100 +14167,7 @@
                 </a:solidFill>
                 <a:effectLst/>
               </a:rPr>
-              <a:t>,</a:t>
-            </a:r>
-            <a:r>
-              <a:rPr lang="en-GB" dirty="0"/>
-              <a:t> </a:t>
-            </a:r>
-            <a:r>
-              <a:rPr lang="en-GB" dirty="0">
-                <a:solidFill>
-                  <a:srgbClr val="000000"/>
-                </a:solidFill>
-                <a:effectLst/>
-              </a:rPr>
-              <a:t>keys</a:t>
-            </a:r>
-            <a:r>
-              <a:rPr lang="en-GB" b="1" dirty="0">
-                <a:solidFill>
-                  <a:srgbClr val="CE5C00"/>
-                </a:solidFill>
-                <a:effectLst/>
-              </a:rPr>
-              <a:t>=</a:t>
-            </a:r>
-            <a:r>
-              <a:rPr lang="en-GB" b="1" dirty="0">
-                <a:solidFill>
-                  <a:srgbClr val="000000"/>
-                </a:solidFill>
-                <a:effectLst/>
-              </a:rPr>
-              <a:t>[</a:t>
-            </a:r>
-            <a:r>
-              <a:rPr lang="en-GB" dirty="0">
-                <a:solidFill>
-                  <a:srgbClr val="4E9A06"/>
-                </a:solidFill>
-                <a:effectLst/>
-              </a:rPr>
-              <a:t>"x"</a:t>
-            </a:r>
-            <a:r>
-              <a:rPr lang="en-GB" b="1" dirty="0">
-                <a:solidFill>
-                  <a:srgbClr val="000000"/>
-                </a:solidFill>
-                <a:effectLst/>
-              </a:rPr>
-              <a:t>,</a:t>
-            </a:r>
-            <a:r>
-              <a:rPr lang="en-GB" dirty="0"/>
-              <a:t> </a:t>
-            </a:r>
-            <a:r>
-              <a:rPr lang="en-GB" dirty="0">
-                <a:solidFill>
-                  <a:srgbClr val="4E9A06"/>
-                </a:solidFill>
-                <a:effectLst/>
-              </a:rPr>
-              <a:t>"y"</a:t>
-            </a:r>
-            <a:r>
-              <a:rPr lang="en-GB" b="1" dirty="0">
-                <a:solidFill>
-                  <a:srgbClr val="000000"/>
-                </a:solidFill>
-                <a:effectLst/>
-              </a:rPr>
-              <a:t>,</a:t>
-            </a:r>
-            <a:r>
-              <a:rPr lang="en-GB" dirty="0"/>
-              <a:t> </a:t>
-            </a:r>
-            <a:r>
-              <a:rPr lang="en-GB" dirty="0">
-                <a:solidFill>
-                  <a:srgbClr val="4E9A06"/>
-                </a:solidFill>
-                <a:effectLst/>
-              </a:rPr>
-              <a:t>"z"</a:t>
-            </a:r>
-            <a:r>
-              <a:rPr lang="en-GB" b="1" dirty="0">
-                <a:solidFill>
-                  <a:srgbClr val="000000"/>
-                </a:solidFill>
-                <a:effectLst/>
-              </a:rPr>
-              <a:t>])</a:t>
+              <a:t>)</a:t>
             </a:r>
             <a:endParaRPr lang="en-US" dirty="0"/>
           </a:p>
@@ -11815,10 +14175,10 @@
       </p:sp>
       <p:sp>
         <p:nvSpPr>
-          <p:cNvPr id="6" name="TextBox 5">
+          <p:cNvPr id="8" name="TextBox 7">
             <a:extLst>
               <a:ext uri="{FF2B5EF4-FFF2-40B4-BE49-F238E27FC236}">
-                <a16:creationId xmlns:a16="http://schemas.microsoft.com/office/drawing/2014/main" id="{0418D03C-3FFD-84B7-C8C6-703449D075D2}"/>
+                <a16:creationId xmlns:a16="http://schemas.microsoft.com/office/drawing/2014/main" id="{38A69749-87C3-00F3-1142-6ABCDCAA12A4}"/>
               </a:ext>
             </a:extLst>
           </p:cNvPr>
@@ -11827,8 +14187,8 @@
         </p:nvSpPr>
         <p:spPr>
           <a:xfrm>
-            <a:off x="650240" y="853441"/>
-            <a:ext cx="4094480" cy="646331"/>
+            <a:off x="2585721" y="302016"/>
+            <a:ext cx="3611879" cy="377190"/>
           </a:xfrm>
           <a:prstGeom prst="rect">
             <a:avLst/>
@@ -11842,24 +14202,115 @@
           <a:lstStyle/>
           <a:p>
             <a:r>
-              <a:rPr lang="en-US" dirty="0"/>
-              <a:t>Adding an index to show which bits of the </a:t>
-            </a:r>
-            <a:r>
-              <a:rPr lang="en-US" dirty="0" err="1"/>
-              <a:t>dataframe</a:t>
-            </a:r>
-            <a:r>
-              <a:rPr lang="en-US" dirty="0"/>
-              <a:t> came from where</a:t>
-            </a:r>
+              <a:rPr lang="en-US" b="1" dirty="0"/>
+              <a:t>Concatenating </a:t>
+            </a:r>
+            <a:r>
+              <a:rPr lang="en-US" b="1" dirty="0" err="1"/>
+              <a:t>dataframes</a:t>
+            </a:r>
+            <a:endParaRPr lang="en-US" b="1" dirty="0"/>
           </a:p>
         </p:txBody>
       </p:sp>
+      <p:sp>
+        <p:nvSpPr>
+          <p:cNvPr id="9" name="TextBox 8">
+            <a:extLst>
+              <a:ext uri="{FF2B5EF4-FFF2-40B4-BE49-F238E27FC236}">
+                <a16:creationId xmlns:a16="http://schemas.microsoft.com/office/drawing/2014/main" id="{440D3FAF-339D-0B48-D86A-212E467B255A}"/>
+              </a:ext>
+            </a:extLst>
+          </p:cNvPr>
+          <p:cNvSpPr txBox="1"/>
+          <p:nvPr/>
+        </p:nvSpPr>
+        <p:spPr>
+          <a:xfrm>
+            <a:off x="365760" y="5930216"/>
+            <a:ext cx="3645100" cy="369332"/>
+          </a:xfrm>
+          <a:prstGeom prst="rect">
+            <a:avLst/>
+          </a:prstGeom>
+          <a:noFill/>
+        </p:spPr>
+        <p:txBody>
+          <a:bodyPr wrap="none" rtlCol="0">
+            <a:spAutoFit/>
+          </a:bodyPr>
+          <a:lstStyle/>
+          <a:p>
+            <a:r>
+              <a:rPr lang="en-US" dirty="0"/>
+              <a:t>Pasting them together top to bottom</a:t>
+            </a:r>
+          </a:p>
+        </p:txBody>
+      </p:sp>
+      <p:pic>
+        <p:nvPicPr>
+          <p:cNvPr id="20" name="Picture 19">
+            <a:extLst>
+              <a:ext uri="{FF2B5EF4-FFF2-40B4-BE49-F238E27FC236}">
+                <a16:creationId xmlns:a16="http://schemas.microsoft.com/office/drawing/2014/main" id="{D8D869DC-8EA3-AF2C-3568-D6D310B608E2}"/>
+              </a:ext>
+            </a:extLst>
+          </p:cNvPr>
+          <p:cNvPicPr>
+            <a:picLocks noChangeAspect="1"/>
+          </p:cNvPicPr>
+          <p:nvPr/>
+        </p:nvPicPr>
+        <p:blipFill>
+          <a:blip r:embed="rId2"/>
+          <a:stretch>
+            <a:fillRect/>
+          </a:stretch>
+        </p:blipFill>
+        <p:spPr>
+          <a:xfrm>
+            <a:off x="889000" y="1741931"/>
+            <a:ext cx="9934604" cy="900187"/>
+          </a:xfrm>
+          <a:prstGeom prst="rect">
+            <a:avLst/>
+          </a:prstGeom>
+        </p:spPr>
+      </p:pic>
+      <p:pic>
+        <p:nvPicPr>
+          <p:cNvPr id="22" name="Picture 21">
+            <a:extLst>
+              <a:ext uri="{FF2B5EF4-FFF2-40B4-BE49-F238E27FC236}">
+                <a16:creationId xmlns:a16="http://schemas.microsoft.com/office/drawing/2014/main" id="{C6473224-6EB1-8956-89A9-8717C8DE0951}"/>
+              </a:ext>
+            </a:extLst>
+          </p:cNvPr>
+          <p:cNvPicPr>
+            <a:picLocks noChangeAspect="1"/>
+          </p:cNvPicPr>
+          <p:nvPr/>
+        </p:nvPicPr>
+        <p:blipFill rotWithShape="1">
+          <a:blip r:embed="rId3"/>
+          <a:srcRect l="1698" t="527"/>
+          <a:stretch/>
+        </p:blipFill>
+        <p:spPr>
+          <a:xfrm>
+            <a:off x="4572000" y="2966719"/>
+            <a:ext cx="3308350" cy="2652947"/>
+          </a:xfrm>
+          <a:prstGeom prst="rect">
+            <a:avLst/>
+          </a:prstGeom>
+        </p:spPr>
+      </p:pic>
     </p:spTree>
     <p:extLst>
       <p:ext uri="{BB962C8B-B14F-4D97-AF65-F5344CB8AC3E}">
-        <p14:creationId xmlns:p14="http://schemas.microsoft.com/office/powerpoint/2010/main" val="3150667083"/>
+        <p14:creationId xmlns:p14="http://schemas.microsoft.com/office/powerpoint/2010/main" val="1231626656"/>
       </p:ext>
     </p:extLst>
   </p:cSld>
@@ -11886,53 +14337,326 @@
           <a:chExt cx="0" cy="0"/>
         </a:xfrm>
       </p:grpSpPr>
-      <p:pic>
-        <p:nvPicPr>
-          <p:cNvPr id="4098" name="Picture 2">
+      <p:sp>
+        <p:nvSpPr>
+          <p:cNvPr id="5" name="TextBox 4">
             <a:extLst>
               <a:ext uri="{FF2B5EF4-FFF2-40B4-BE49-F238E27FC236}">
-                <a16:creationId xmlns:a16="http://schemas.microsoft.com/office/drawing/2014/main" id="{64AD7E25-E5F5-5B64-E9DF-44AC9FA7F66C}"/>
+                <a16:creationId xmlns:a16="http://schemas.microsoft.com/office/drawing/2014/main" id="{2198A54C-7093-E059-5B1A-FE56BCB9F7A7}"/>
               </a:ext>
             </a:extLst>
           </p:cNvPr>
-          <p:cNvPicPr>
-            <a:picLocks noChangeAspect="1" noChangeArrowheads="1"/>
-          </p:cNvPicPr>
+          <p:cNvSpPr txBox="1"/>
           <p:nvPr/>
-        </p:nvPicPr>
-        <p:blipFill>
-          <a:blip r:embed="rId3">
-            <a:extLst>
-              <a:ext uri="{28A0092B-C50C-407E-A947-70E740481C1C}">
-                <a14:useLocalDpi xmlns:a14="http://schemas.microsoft.com/office/drawing/2010/main" val="0"/>
-              </a:ext>
-            </a:extLst>
-          </a:blip>
-          <a:srcRect/>
-          <a:stretch>
-            <a:fillRect/>
-          </a:stretch>
-        </p:blipFill>
-        <p:spPr bwMode="auto">
+        </p:nvSpPr>
+        <p:spPr>
           <a:xfrm>
-            <a:off x="3595370" y="2317750"/>
-            <a:ext cx="7988300" cy="2222500"/>
+            <a:off x="619760" y="1303774"/>
+            <a:ext cx="6096000" cy="369332"/>
           </a:xfrm>
           <a:prstGeom prst="rect">
             <a:avLst/>
           </a:prstGeom>
           <a:noFill/>
-          <a:extLst>
-            <a:ext uri="{909E8E84-426E-40DD-AFC4-6F175D3DCCD1}">
-              <a14:hiddenFill xmlns:a14="http://schemas.microsoft.com/office/drawing/2010/main">
+        </p:spPr>
+        <p:txBody>
+          <a:bodyPr wrap="square">
+            <a:spAutoFit/>
+          </a:bodyPr>
+          <a:lstStyle/>
+          <a:p>
+            <a:r>
+              <a:rPr lang="en-GB" dirty="0">
                 <a:solidFill>
-                  <a:srgbClr val="FFFFFF"/>
+                  <a:srgbClr val="000000"/>
                 </a:solidFill>
-              </a14:hiddenFill>
-            </a:ext>
-          </a:extLst>
+                <a:effectLst/>
+              </a:rPr>
+              <a:t>result</a:t>
+            </a:r>
+            <a:r>
+              <a:rPr lang="en-GB" dirty="0"/>
+              <a:t> </a:t>
+            </a:r>
+            <a:r>
+              <a:rPr lang="en-GB" b="1" dirty="0">
+                <a:solidFill>
+                  <a:srgbClr val="CE5C00"/>
+                </a:solidFill>
+                <a:effectLst/>
+              </a:rPr>
+              <a:t>=</a:t>
+            </a:r>
+            <a:r>
+              <a:rPr lang="en-GB" dirty="0"/>
+              <a:t> </a:t>
+            </a:r>
+            <a:r>
+              <a:rPr lang="en-GB" dirty="0" err="1">
+                <a:solidFill>
+                  <a:srgbClr val="000000"/>
+                </a:solidFill>
+                <a:effectLst/>
+              </a:rPr>
+              <a:t>pd</a:t>
+            </a:r>
+            <a:r>
+              <a:rPr lang="en-GB" b="1" dirty="0" err="1">
+                <a:solidFill>
+                  <a:srgbClr val="CE5C00"/>
+                </a:solidFill>
+                <a:effectLst/>
+              </a:rPr>
+              <a:t>.</a:t>
+            </a:r>
+            <a:r>
+              <a:rPr lang="en-GB" dirty="0" err="1">
+                <a:solidFill>
+                  <a:srgbClr val="000000"/>
+                </a:solidFill>
+                <a:effectLst/>
+              </a:rPr>
+              <a:t>concat</a:t>
+            </a:r>
+            <a:r>
+              <a:rPr lang="en-GB" dirty="0">
+                <a:solidFill>
+                  <a:srgbClr val="000000"/>
+                </a:solidFill>
+                <a:effectLst/>
+              </a:rPr>
+              <a:t>(frames,</a:t>
+            </a:r>
+            <a:r>
+              <a:rPr lang="en-GB" dirty="0"/>
+              <a:t> </a:t>
+            </a:r>
+            <a:r>
+              <a:rPr lang="en-GB" dirty="0">
+                <a:solidFill>
+                  <a:srgbClr val="000000"/>
+                </a:solidFill>
+                <a:effectLst/>
+              </a:rPr>
+              <a:t>keys</a:t>
+            </a:r>
+            <a:r>
+              <a:rPr lang="en-GB" dirty="0">
+                <a:solidFill>
+                  <a:srgbClr val="CE5C00"/>
+                </a:solidFill>
+                <a:effectLst/>
+              </a:rPr>
+              <a:t>=</a:t>
+            </a:r>
+            <a:r>
+              <a:rPr lang="en-GB" dirty="0">
+                <a:solidFill>
+                  <a:srgbClr val="000000"/>
+                </a:solidFill>
+                <a:effectLst/>
+              </a:rPr>
+              <a:t>[</a:t>
+            </a:r>
+            <a:r>
+              <a:rPr lang="en-GB" dirty="0">
+                <a:solidFill>
+                  <a:srgbClr val="4E9A06"/>
+                </a:solidFill>
+                <a:effectLst/>
+              </a:rPr>
+              <a:t>”X"</a:t>
+            </a:r>
+            <a:r>
+              <a:rPr lang="en-GB" dirty="0">
+                <a:solidFill>
+                  <a:srgbClr val="000000"/>
+                </a:solidFill>
+                <a:effectLst/>
+              </a:rPr>
+              <a:t>,</a:t>
+            </a:r>
+            <a:r>
+              <a:rPr lang="en-GB" dirty="0"/>
+              <a:t> </a:t>
+            </a:r>
+            <a:r>
+              <a:rPr lang="en-GB" dirty="0">
+                <a:solidFill>
+                  <a:srgbClr val="4E9A06"/>
+                </a:solidFill>
+                <a:effectLst/>
+              </a:rPr>
+              <a:t>”Y"</a:t>
+            </a:r>
+            <a:r>
+              <a:rPr lang="en-GB" dirty="0">
+                <a:solidFill>
+                  <a:srgbClr val="000000"/>
+                </a:solidFill>
+                <a:effectLst/>
+              </a:rPr>
+              <a:t>,</a:t>
+            </a:r>
+            <a:r>
+              <a:rPr lang="en-GB" dirty="0"/>
+              <a:t> </a:t>
+            </a:r>
+            <a:r>
+              <a:rPr lang="en-GB" dirty="0">
+                <a:solidFill>
+                  <a:srgbClr val="4E9A06"/>
+                </a:solidFill>
+                <a:effectLst/>
+              </a:rPr>
+              <a:t>”Z"</a:t>
+            </a:r>
+            <a:r>
+              <a:rPr lang="en-GB" dirty="0">
+                <a:solidFill>
+                  <a:srgbClr val="000000"/>
+                </a:solidFill>
+                <a:effectLst/>
+              </a:rPr>
+              <a:t>], axis = 0)</a:t>
+            </a:r>
+            <a:endParaRPr lang="en-US" dirty="0"/>
+          </a:p>
+        </p:txBody>
+      </p:sp>
+      <p:sp>
+        <p:nvSpPr>
+          <p:cNvPr id="6" name="TextBox 5">
+            <a:extLst>
+              <a:ext uri="{FF2B5EF4-FFF2-40B4-BE49-F238E27FC236}">
+                <a16:creationId xmlns:a16="http://schemas.microsoft.com/office/drawing/2014/main" id="{0418D03C-3FFD-84B7-C8C6-703449D075D2}"/>
+              </a:ext>
+            </a:extLst>
+          </p:cNvPr>
+          <p:cNvSpPr txBox="1"/>
+          <p:nvPr/>
+        </p:nvSpPr>
+        <p:spPr>
+          <a:xfrm>
+            <a:off x="619760" y="487681"/>
+            <a:ext cx="4094480" cy="646331"/>
+          </a:xfrm>
+          <a:prstGeom prst="rect">
+            <a:avLst/>
+          </a:prstGeom>
+          <a:noFill/>
+        </p:spPr>
+        <p:txBody>
+          <a:bodyPr wrap="square" rtlCol="0">
+            <a:spAutoFit/>
+          </a:bodyPr>
+          <a:lstStyle/>
+          <a:p>
+            <a:r>
+              <a:rPr lang="en-US" dirty="0"/>
+              <a:t>Adding an index to show which bits of the </a:t>
+            </a:r>
+            <a:r>
+              <a:rPr lang="en-US" dirty="0" err="1"/>
+              <a:t>dataframe</a:t>
+            </a:r>
+            <a:r>
+              <a:rPr lang="en-US" dirty="0"/>
+              <a:t> came from where</a:t>
+            </a:r>
+          </a:p>
+        </p:txBody>
+      </p:sp>
+      <p:pic>
+        <p:nvPicPr>
+          <p:cNvPr id="10" name="Picture 9">
+            <a:extLst>
+              <a:ext uri="{FF2B5EF4-FFF2-40B4-BE49-F238E27FC236}">
+                <a16:creationId xmlns:a16="http://schemas.microsoft.com/office/drawing/2014/main" id="{8E31D225-9F64-A7FA-8BA2-7052D425A0A1}"/>
+              </a:ext>
+            </a:extLst>
+          </p:cNvPr>
+          <p:cNvPicPr>
+            <a:picLocks noChangeAspect="1"/>
+          </p:cNvPicPr>
+          <p:nvPr/>
+        </p:nvPicPr>
+        <p:blipFill>
+          <a:blip r:embed="rId2"/>
+          <a:stretch>
+            <a:fillRect/>
+          </a:stretch>
+        </p:blipFill>
+        <p:spPr>
+          <a:xfrm>
+            <a:off x="889000" y="1741931"/>
+            <a:ext cx="9934604" cy="900187"/>
+          </a:xfrm>
+          <a:prstGeom prst="rect">
+            <a:avLst/>
+          </a:prstGeom>
         </p:spPr>
       </p:pic>
+      <p:pic>
+        <p:nvPicPr>
+          <p:cNvPr id="16" name="Picture 15">
+            <a:extLst>
+              <a:ext uri="{FF2B5EF4-FFF2-40B4-BE49-F238E27FC236}">
+                <a16:creationId xmlns:a16="http://schemas.microsoft.com/office/drawing/2014/main" id="{AB6DAEB8-D01B-C1B5-A738-A4DE5FF30428}"/>
+              </a:ext>
+            </a:extLst>
+          </p:cNvPr>
+          <p:cNvPicPr>
+            <a:picLocks noChangeAspect="1"/>
+          </p:cNvPicPr>
+          <p:nvPr/>
+        </p:nvPicPr>
+        <p:blipFill>
+          <a:blip r:embed="rId3"/>
+          <a:stretch>
+            <a:fillRect/>
+          </a:stretch>
+        </p:blipFill>
+        <p:spPr>
+          <a:xfrm>
+            <a:off x="4297680" y="3429000"/>
+            <a:ext cx="3759200" cy="2692400"/>
+          </a:xfrm>
+          <a:prstGeom prst="rect">
+            <a:avLst/>
+          </a:prstGeom>
+        </p:spPr>
+      </p:pic>
+    </p:spTree>
+    <p:extLst>
+      <p:ext uri="{BB962C8B-B14F-4D97-AF65-F5344CB8AC3E}">
+        <p14:creationId xmlns:p14="http://schemas.microsoft.com/office/powerpoint/2010/main" val="3150667083"/>
+      </p:ext>
+    </p:extLst>
+  </p:cSld>
+  <p:clrMapOvr>
+    <a:masterClrMapping/>
+  </p:clrMapOvr>
+</p:sld>
+</file>
+
+<file path=ppt/slides/slide7.xml><?xml version="1.0" encoding="utf-8"?>
+<p:sld xmlns:a="http://schemas.openxmlformats.org/drawingml/2006/main" xmlns:r="http://schemas.openxmlformats.org/officeDocument/2006/relationships" xmlns:p="http://schemas.openxmlformats.org/presentationml/2006/main">
+  <p:cSld>
+    <p:spTree>
+      <p:nvGrpSpPr>
+        <p:cNvPr id="1" name=""/>
+        <p:cNvGrpSpPr/>
+        <p:nvPr/>
+      </p:nvGrpSpPr>
+      <p:grpSpPr>
+        <a:xfrm>
+          <a:off x="0" y="0"/>
+          <a:ext cx="0" cy="0"/>
+          <a:chOff x="0" y="0"/>
+          <a:chExt cx="0" cy="0"/>
+        </a:xfrm>
+      </p:grpSpPr>
       <p:sp>
         <p:nvSpPr>
           <p:cNvPr id="5" name="TextBox 4">
@@ -12154,6 +14878,66 @@
           </a:p>
         </p:txBody>
       </p:sp>
+      <p:pic>
+        <p:nvPicPr>
+          <p:cNvPr id="10" name="Picture 9">
+            <a:extLst>
+              <a:ext uri="{FF2B5EF4-FFF2-40B4-BE49-F238E27FC236}">
+                <a16:creationId xmlns:a16="http://schemas.microsoft.com/office/drawing/2014/main" id="{5CEE75E4-24D6-80C2-ADB4-FB35439F0BEF}"/>
+              </a:ext>
+            </a:extLst>
+          </p:cNvPr>
+          <p:cNvPicPr>
+            <a:picLocks noChangeAspect="1"/>
+          </p:cNvPicPr>
+          <p:nvPr/>
+        </p:nvPicPr>
+        <p:blipFill>
+          <a:blip r:embed="rId3"/>
+          <a:stretch>
+            <a:fillRect/>
+          </a:stretch>
+        </p:blipFill>
+        <p:spPr>
+          <a:xfrm>
+            <a:off x="3493770" y="588109"/>
+            <a:ext cx="7518400" cy="1066800"/>
+          </a:xfrm>
+          <a:prstGeom prst="rect">
+            <a:avLst/>
+          </a:prstGeom>
+        </p:spPr>
+      </p:pic>
+      <p:pic>
+        <p:nvPicPr>
+          <p:cNvPr id="14" name="Picture 13">
+            <a:extLst>
+              <a:ext uri="{FF2B5EF4-FFF2-40B4-BE49-F238E27FC236}">
+                <a16:creationId xmlns:a16="http://schemas.microsoft.com/office/drawing/2014/main" id="{CDF7F662-A74F-2255-4EA4-AB70548DBE55}"/>
+              </a:ext>
+            </a:extLst>
+          </p:cNvPr>
+          <p:cNvPicPr>
+            <a:picLocks noChangeAspect="1"/>
+          </p:cNvPicPr>
+          <p:nvPr/>
+        </p:nvPicPr>
+        <p:blipFill>
+          <a:blip r:embed="rId4"/>
+          <a:stretch>
+            <a:fillRect/>
+          </a:stretch>
+        </p:blipFill>
+        <p:spPr>
+          <a:xfrm>
+            <a:off x="4135440" y="2459662"/>
+            <a:ext cx="7183981" cy="2630498"/>
+          </a:xfrm>
+          <a:prstGeom prst="rect">
+            <a:avLst/>
+          </a:prstGeom>
+        </p:spPr>
+      </p:pic>
     </p:spTree>
     <p:extLst>
       <p:ext uri="{BB962C8B-B14F-4D97-AF65-F5344CB8AC3E}">
@@ -12167,7 +14951,7 @@
 </p:sld>
 </file>
 
-<file path=ppt/slides/slide7.xml><?xml version="1.0" encoding="utf-8"?>
+<file path=ppt/slides/slide8.xml><?xml version="1.0" encoding="utf-8"?>
 <p:sld xmlns:a="http://schemas.openxmlformats.org/drawingml/2006/main" xmlns:r="http://schemas.openxmlformats.org/officeDocument/2006/relationships" xmlns:p="http://schemas.openxmlformats.org/presentationml/2006/main">
   <p:cSld>
     <p:spTree>
@@ -12184,53 +14968,6 @@
           <a:chExt cx="0" cy="0"/>
         </a:xfrm>
       </p:grpSpPr>
-      <p:pic>
-        <p:nvPicPr>
-          <p:cNvPr id="5122" name="Picture 2">
-            <a:extLst>
-              <a:ext uri="{FF2B5EF4-FFF2-40B4-BE49-F238E27FC236}">
-                <a16:creationId xmlns:a16="http://schemas.microsoft.com/office/drawing/2014/main" id="{F39DA2FE-F147-0985-0273-C65645F4B0E7}"/>
-              </a:ext>
-            </a:extLst>
-          </p:cNvPr>
-          <p:cNvPicPr>
-            <a:picLocks noChangeAspect="1" noChangeArrowheads="1"/>
-          </p:cNvPicPr>
-          <p:nvPr/>
-        </p:nvPicPr>
-        <p:blipFill>
-          <a:blip r:embed="rId2">
-            <a:extLst>
-              <a:ext uri="{28A0092B-C50C-407E-A947-70E740481C1C}">
-                <a14:useLocalDpi xmlns:a14="http://schemas.microsoft.com/office/drawing/2010/main" val="0"/>
-              </a:ext>
-            </a:extLst>
-          </a:blip>
-          <a:srcRect/>
-          <a:stretch>
-            <a:fillRect/>
-          </a:stretch>
-        </p:blipFill>
-        <p:spPr bwMode="auto">
-          <a:xfrm>
-            <a:off x="3239770" y="2533650"/>
-            <a:ext cx="7988300" cy="1587500"/>
-          </a:xfrm>
-          <a:prstGeom prst="rect">
-            <a:avLst/>
-          </a:prstGeom>
-          <a:noFill/>
-          <a:extLst>
-            <a:ext uri="{909E8E84-426E-40DD-AFC4-6F175D3DCCD1}">
-              <a14:hiddenFill xmlns:a14="http://schemas.microsoft.com/office/drawing/2010/main">
-                <a:solidFill>
-                  <a:srgbClr val="FFFFFF"/>
-                </a:solidFill>
-              </a14:hiddenFill>
-            </a:ext>
-          </a:extLst>
-        </p:spPr>
-      </p:pic>
       <p:sp>
         <p:nvSpPr>
           <p:cNvPr id="4" name="TextBox 3">
@@ -12459,7 +15196,7 @@
         </p:nvSpPr>
         <p:spPr>
           <a:xfrm>
-            <a:off x="801370" y="1302603"/>
+            <a:off x="608330" y="588109"/>
             <a:ext cx="6096000" cy="369332"/>
           </a:xfrm>
           <a:prstGeom prst="rect">
@@ -12538,10 +15275,233 @@
           </a:p>
         </p:txBody>
       </p:sp>
+      <p:pic>
+        <p:nvPicPr>
+          <p:cNvPr id="7" name="Picture 6">
+            <a:extLst>
+              <a:ext uri="{FF2B5EF4-FFF2-40B4-BE49-F238E27FC236}">
+                <a16:creationId xmlns:a16="http://schemas.microsoft.com/office/drawing/2014/main" id="{CEC1B0D1-46A0-F35A-E801-F55594239B0B}"/>
+              </a:ext>
+            </a:extLst>
+          </p:cNvPr>
+          <p:cNvPicPr>
+            <a:picLocks noChangeAspect="1"/>
+          </p:cNvPicPr>
+          <p:nvPr/>
+        </p:nvPicPr>
+        <p:blipFill>
+          <a:blip r:embed="rId2"/>
+          <a:stretch>
+            <a:fillRect/>
+          </a:stretch>
+        </p:blipFill>
+        <p:spPr>
+          <a:xfrm>
+            <a:off x="3493770" y="588109"/>
+            <a:ext cx="7518400" cy="1066800"/>
+          </a:xfrm>
+          <a:prstGeom prst="rect">
+            <a:avLst/>
+          </a:prstGeom>
+        </p:spPr>
+      </p:pic>
+      <p:pic>
+        <p:nvPicPr>
+          <p:cNvPr id="9" name="Picture 8">
+            <a:extLst>
+              <a:ext uri="{FF2B5EF4-FFF2-40B4-BE49-F238E27FC236}">
+                <a16:creationId xmlns:a16="http://schemas.microsoft.com/office/drawing/2014/main" id="{A2E89E97-6FC4-5F11-F197-EFCEAF8463A7}"/>
+              </a:ext>
+            </a:extLst>
+          </p:cNvPr>
+          <p:cNvPicPr>
+            <a:picLocks noChangeAspect="1"/>
+          </p:cNvPicPr>
+          <p:nvPr/>
+        </p:nvPicPr>
+        <p:blipFill>
+          <a:blip r:embed="rId3"/>
+          <a:stretch>
+            <a:fillRect/>
+          </a:stretch>
+        </p:blipFill>
+        <p:spPr>
+          <a:xfrm>
+            <a:off x="4744720" y="2794000"/>
+            <a:ext cx="5016500" cy="635000"/>
+          </a:xfrm>
+          <a:prstGeom prst="rect">
+            <a:avLst/>
+          </a:prstGeom>
+        </p:spPr>
+      </p:pic>
     </p:spTree>
     <p:extLst>
       <p:ext uri="{BB962C8B-B14F-4D97-AF65-F5344CB8AC3E}">
         <p14:creationId xmlns:p14="http://schemas.microsoft.com/office/powerpoint/2010/main" val="1704884229"/>
+      </p:ext>
+    </p:extLst>
+  </p:cSld>
+  <p:clrMapOvr>
+    <a:masterClrMapping/>
+  </p:clrMapOvr>
+</p:sld>
+</file>
+
+<file path=ppt/slides/slide9.xml><?xml version="1.0" encoding="utf-8"?>
+<p:sld xmlns:a="http://schemas.openxmlformats.org/drawingml/2006/main" xmlns:r="http://schemas.openxmlformats.org/officeDocument/2006/relationships" xmlns:p="http://schemas.openxmlformats.org/presentationml/2006/main">
+  <p:cSld>
+    <p:spTree>
+      <p:nvGrpSpPr>
+        <p:cNvPr id="1" name=""/>
+        <p:cNvGrpSpPr/>
+        <p:nvPr/>
+      </p:nvGrpSpPr>
+      <p:grpSpPr>
+        <a:xfrm>
+          <a:off x="0" y="0"/>
+          <a:ext cx="0" cy="0"/>
+          <a:chOff x="0" y="0"/>
+          <a:chExt cx="0" cy="0"/>
+        </a:xfrm>
+      </p:grpSpPr>
+      <p:pic>
+        <p:nvPicPr>
+          <p:cNvPr id="6146" name="Picture 2">
+            <a:extLst>
+              <a:ext uri="{FF2B5EF4-FFF2-40B4-BE49-F238E27FC236}">
+                <a16:creationId xmlns:a16="http://schemas.microsoft.com/office/drawing/2014/main" id="{D9540855-247F-6F76-BBC1-05E585023001}"/>
+              </a:ext>
+            </a:extLst>
+          </p:cNvPr>
+          <p:cNvPicPr>
+            <a:picLocks noChangeAspect="1" noChangeArrowheads="1"/>
+          </p:cNvPicPr>
+          <p:nvPr/>
+        </p:nvPicPr>
+        <p:blipFill>
+          <a:blip r:embed="rId2">
+            <a:extLst>
+              <a:ext uri="{28A0092B-C50C-407E-A947-70E740481C1C}">
+                <a14:useLocalDpi xmlns:a14="http://schemas.microsoft.com/office/drawing/2010/main" val="0"/>
+              </a:ext>
+            </a:extLst>
+          </a:blip>
+          <a:srcRect/>
+          <a:stretch>
+            <a:fillRect/>
+          </a:stretch>
+        </p:blipFill>
+        <p:spPr bwMode="auto">
+          <a:xfrm>
+            <a:off x="1805940" y="289560"/>
+            <a:ext cx="8973820" cy="3589528"/>
+          </a:xfrm>
+          <a:prstGeom prst="rect">
+            <a:avLst/>
+          </a:prstGeom>
+          <a:noFill/>
+          <a:extLst>
+            <a:ext uri="{909E8E84-426E-40DD-AFC4-6F175D3DCCD1}">
+              <a14:hiddenFill xmlns:a14="http://schemas.microsoft.com/office/drawing/2010/main">
+                <a:solidFill>
+                  <a:srgbClr val="FFFFFF"/>
+                </a:solidFill>
+              </a14:hiddenFill>
+            </a:ext>
+          </a:extLst>
+        </p:spPr>
+      </p:pic>
+      <p:pic>
+        <p:nvPicPr>
+          <p:cNvPr id="6148" name="Picture 4">
+            <a:extLst>
+              <a:ext uri="{FF2B5EF4-FFF2-40B4-BE49-F238E27FC236}">
+                <a16:creationId xmlns:a16="http://schemas.microsoft.com/office/drawing/2014/main" id="{C556C3A6-C6CC-A8FB-A591-92907E4F18DC}"/>
+              </a:ext>
+            </a:extLst>
+          </p:cNvPr>
+          <p:cNvPicPr>
+            <a:picLocks noChangeAspect="1" noChangeArrowheads="1"/>
+          </p:cNvPicPr>
+          <p:nvPr/>
+        </p:nvPicPr>
+        <p:blipFill>
+          <a:blip r:embed="rId3">
+            <a:extLst>
+              <a:ext uri="{28A0092B-C50C-407E-A947-70E740481C1C}">
+                <a14:useLocalDpi xmlns:a14="http://schemas.microsoft.com/office/drawing/2010/main" val="0"/>
+              </a:ext>
+            </a:extLst>
+          </a:blip>
+          <a:srcRect/>
+          <a:stretch>
+            <a:fillRect/>
+          </a:stretch>
+        </p:blipFill>
+        <p:spPr bwMode="auto">
+          <a:xfrm>
+            <a:off x="1805940" y="3879088"/>
+            <a:ext cx="8890000" cy="2806700"/>
+          </a:xfrm>
+          <a:prstGeom prst="rect">
+            <a:avLst/>
+          </a:prstGeom>
+          <a:noFill/>
+          <a:extLst>
+            <a:ext uri="{909E8E84-426E-40DD-AFC4-6F175D3DCCD1}">
+              <a14:hiddenFill xmlns:a14="http://schemas.microsoft.com/office/drawing/2010/main">
+                <a:solidFill>
+                  <a:srgbClr val="FFFFFF"/>
+                </a:solidFill>
+              </a14:hiddenFill>
+            </a:ext>
+          </a:extLst>
+        </p:spPr>
+      </p:pic>
+      <p:sp>
+        <p:nvSpPr>
+          <p:cNvPr id="4" name="TextBox 3">
+            <a:extLst>
+              <a:ext uri="{FF2B5EF4-FFF2-40B4-BE49-F238E27FC236}">
+                <a16:creationId xmlns:a16="http://schemas.microsoft.com/office/drawing/2014/main" id="{88716852-1362-AD06-13EA-4A1522ED9208}"/>
+              </a:ext>
+            </a:extLst>
+          </p:cNvPr>
+          <p:cNvSpPr txBox="1"/>
+          <p:nvPr/>
+        </p:nvSpPr>
+        <p:spPr>
+          <a:xfrm>
+            <a:off x="467360" y="289560"/>
+            <a:ext cx="4054956" cy="369332"/>
+          </a:xfrm>
+          <a:prstGeom prst="rect">
+            <a:avLst/>
+          </a:prstGeom>
+          <a:noFill/>
+        </p:spPr>
+        <p:txBody>
+          <a:bodyPr wrap="none" rtlCol="0">
+            <a:spAutoFit/>
+          </a:bodyPr>
+          <a:lstStyle/>
+          <a:p>
+            <a:r>
+              <a:rPr lang="en-US" b="1" dirty="0" err="1"/>
+              <a:t>concat</a:t>
+            </a:r>
+            <a:r>
+              <a:rPr lang="en-US" b="1" dirty="0"/>
+              <a:t> stacks, merging uses a shared key</a:t>
+            </a:r>
+          </a:p>
+        </p:txBody>
+      </p:sp>
+    </p:spTree>
+    <p:extLst>
+      <p:ext uri="{BB962C8B-B14F-4D97-AF65-F5344CB8AC3E}">
+        <p14:creationId xmlns:p14="http://schemas.microsoft.com/office/powerpoint/2010/main" val="930420276"/>
       </p:ext>
     </p:extLst>
   </p:cSld>
